--- a/presentacion.pptx
+++ b/presentacion.pptx
@@ -112,6 +112,11 @@
       </a:defRPr>
     </a:lvl9pPr>
   </p:defaultTextStyle>
+  <p:extLst>
+    <p:ext uri="{EFAFB233-063F-42B5-8137-9DF3F51BA10A}">
+      <p15:sldGuideLst xmlns:p15="http://schemas.microsoft.com/office/powerpoint/2012/main"/>
+    </p:ext>
+  </p:extLst>
 </p:presentation>
 </file>
 
@@ -2378,10 +2383,9 @@
         <a:lstStyle/>
         <a:p>
           <a:r>
-            <a:rPr lang="es-AR" dirty="0" smtClean="0"/>
+            <a:rPr lang="es-AR" dirty="0"/>
             <a:t>Base de tiempo</a:t>
           </a:r>
-          <a:endParaRPr lang="es-AR" dirty="0"/>
         </a:p>
       </dgm:t>
     </dgm:pt>
@@ -2415,10 +2419,9 @@
         <a:lstStyle/>
         <a:p>
           <a:r>
-            <a:rPr lang="es-AR" dirty="0" smtClean="0"/>
+            <a:rPr lang="es-AR" dirty="0"/>
             <a:t>Impresión en pantalla</a:t>
           </a:r>
-          <a:endParaRPr lang="es-AR" dirty="0"/>
         </a:p>
       </dgm:t>
     </dgm:pt>
@@ -2452,10 +2455,9 @@
         <a:lstStyle/>
         <a:p>
           <a:r>
-            <a:rPr lang="es-AR" dirty="0" smtClean="0"/>
+            <a:rPr lang="es-AR" dirty="0"/>
             <a:t>Cronometro</a:t>
           </a:r>
-          <a:endParaRPr lang="es-AR" dirty="0"/>
         </a:p>
       </dgm:t>
     </dgm:pt>
@@ -2497,13 +2499,6 @@
         </dgm:presLayoutVars>
       </dgm:prSet>
       <dgm:spPr/>
-      <dgm:t>
-        <a:bodyPr/>
-        <a:lstStyle/>
-        <a:p>
-          <a:endParaRPr lang="es-AR"/>
-        </a:p>
-      </dgm:t>
     </dgm:pt>
     <dgm:pt modelId="{98E2D20B-BDD5-4227-B8D2-BF4C97F00BC6}" type="pres">
       <dgm:prSet presAssocID="{1EFA3B04-06C8-4C90-9742-E825070E1E4E}" presName="sibTrans" presStyleLbl="sibTrans2D1" presStyleIdx="0" presStyleCnt="3"/>
@@ -2547,19 +2542,19 @@
     </dgm:pt>
   </dgm:ptLst>
   <dgm:cxnLst>
+    <dgm:cxn modelId="{0E9F6600-8F8F-404C-97CC-17F27D468680}" type="presOf" srcId="{1EFA3B04-06C8-4C90-9742-E825070E1E4E}" destId="{DD643437-EA89-43DB-9DB4-E9551DE1BD34}" srcOrd="1" destOrd="0" presId="urn:microsoft.com/office/officeart/2005/8/layout/cycle7"/>
+    <dgm:cxn modelId="{5A220716-F5B5-4260-8DD4-30372F066887}" type="presOf" srcId="{D7FBD0F5-A25A-48E3-A539-DC3E1809D123}" destId="{752ABC22-D4E5-4F5A-B443-AF0364CF08D5}" srcOrd="0" destOrd="0" presId="urn:microsoft.com/office/officeart/2005/8/layout/cycle7"/>
     <dgm:cxn modelId="{14655A19-9C7D-4849-9A02-3DFF0C12FF17}" type="presOf" srcId="{DA0E86C5-F142-45D1-B8E4-E34065682091}" destId="{97EE27D7-949F-4E3B-B357-62F29DA97153}" srcOrd="1" destOrd="0" presId="urn:microsoft.com/office/officeart/2005/8/layout/cycle7"/>
-    <dgm:cxn modelId="{AA9C2E65-5780-49F1-99AB-F799F4152C76}" srcId="{BA45F6EF-8FCA-461E-A7AF-C413FB957567}" destId="{67460303-5DF1-45BB-B1D1-0156F59B6416}" srcOrd="0" destOrd="0" parTransId="{1C6938DA-5EE9-4756-8675-BC156A5015F5}" sibTransId="{1EFA3B04-06C8-4C90-9742-E825070E1E4E}"/>
     <dgm:cxn modelId="{4461C72A-CC39-491F-A3AF-20A16A6F997A}" type="presOf" srcId="{67460303-5DF1-45BB-B1D1-0156F59B6416}" destId="{E030DFFA-4D91-4D4A-B615-FE32023076CB}" srcOrd="0" destOrd="0" presId="urn:microsoft.com/office/officeart/2005/8/layout/cycle7"/>
     <dgm:cxn modelId="{7D27DE5E-89B0-4D4F-9BD9-AFEDBE763D93}" srcId="{BA45F6EF-8FCA-461E-A7AF-C413FB957567}" destId="{D7FBD0F5-A25A-48E3-A539-DC3E1809D123}" srcOrd="1" destOrd="0" parTransId="{651FD655-875A-40DE-A84A-A648D37B89A3}" sibTransId="{DA0E86C5-F142-45D1-B8E4-E34065682091}"/>
+    <dgm:cxn modelId="{AA9C2E65-5780-49F1-99AB-F799F4152C76}" srcId="{BA45F6EF-8FCA-461E-A7AF-C413FB957567}" destId="{67460303-5DF1-45BB-B1D1-0156F59B6416}" srcOrd="0" destOrd="0" parTransId="{1C6938DA-5EE9-4756-8675-BC156A5015F5}" sibTransId="{1EFA3B04-06C8-4C90-9742-E825070E1E4E}"/>
     <dgm:cxn modelId="{7898AB69-F6E7-41B9-A0ED-6C8C5C312A25}" type="presOf" srcId="{BA45F6EF-8FCA-461E-A7AF-C413FB957567}" destId="{578E4A5E-96E8-48D7-BCE1-A5EC5EF1919B}" srcOrd="0" destOrd="0" presId="urn:microsoft.com/office/officeart/2005/8/layout/cycle7"/>
-    <dgm:cxn modelId="{0E9F6600-8F8F-404C-97CC-17F27D468680}" type="presOf" srcId="{1EFA3B04-06C8-4C90-9742-E825070E1E4E}" destId="{DD643437-EA89-43DB-9DB4-E9551DE1BD34}" srcOrd="1" destOrd="0" presId="urn:microsoft.com/office/officeart/2005/8/layout/cycle7"/>
-    <dgm:cxn modelId="{4A49A7DF-D07D-4615-AC71-9F8FE3013D7C}" srcId="{BA45F6EF-8FCA-461E-A7AF-C413FB957567}" destId="{91B0E673-6D36-4727-90C0-351386837A69}" srcOrd="2" destOrd="0" parTransId="{2CFF16DB-4082-45D7-A99D-68305A80CBCB}" sibTransId="{9BEBC8D1-3C9C-4E06-81AA-F85465EA2A13}"/>
-    <dgm:cxn modelId="{D39EDAB8-C9A7-436E-B6CD-6FD25F89EA60}" type="presOf" srcId="{DA0E86C5-F142-45D1-B8E4-E34065682091}" destId="{FBDB41FC-41AA-4FA6-9892-F71CA2F8AF02}" srcOrd="0" destOrd="0" presId="urn:microsoft.com/office/officeart/2005/8/layout/cycle7"/>
-    <dgm:cxn modelId="{A773878B-C62C-4308-87C5-4483453AF95B}" type="presOf" srcId="{9BEBC8D1-3C9C-4E06-81AA-F85465EA2A13}" destId="{34E35DF9-C133-410D-9489-2381754DFDD6}" srcOrd="1" destOrd="0" presId="urn:microsoft.com/office/officeart/2005/8/layout/cycle7"/>
-    <dgm:cxn modelId="{5A220716-F5B5-4260-8DD4-30372F066887}" type="presOf" srcId="{D7FBD0F5-A25A-48E3-A539-DC3E1809D123}" destId="{752ABC22-D4E5-4F5A-B443-AF0364CF08D5}" srcOrd="0" destOrd="0" presId="urn:microsoft.com/office/officeart/2005/8/layout/cycle7"/>
+    <dgm:cxn modelId="{277F4D54-8BFF-4E8F-8A39-EA6081BDC358}" type="presOf" srcId="{1EFA3B04-06C8-4C90-9742-E825070E1E4E}" destId="{98E2D20B-BDD5-4227-B8D2-BF4C97F00BC6}" srcOrd="0" destOrd="0" presId="urn:microsoft.com/office/officeart/2005/8/layout/cycle7"/>
     <dgm:cxn modelId="{B022377C-3483-45A5-B31B-53586C931E00}" type="presOf" srcId="{9BEBC8D1-3C9C-4E06-81AA-F85465EA2A13}" destId="{6630A1DE-D398-4A81-8128-444985C38358}" srcOrd="0" destOrd="0" presId="urn:microsoft.com/office/officeart/2005/8/layout/cycle7"/>
     <dgm:cxn modelId="{D774FF80-650D-4DDE-B239-280D2AF7630B}" type="presOf" srcId="{91B0E673-6D36-4727-90C0-351386837A69}" destId="{A735E7B8-597B-46D0-930E-82AF2FFE5E25}" srcOrd="0" destOrd="0" presId="urn:microsoft.com/office/officeart/2005/8/layout/cycle7"/>
-    <dgm:cxn modelId="{277F4D54-8BFF-4E8F-8A39-EA6081BDC358}" type="presOf" srcId="{1EFA3B04-06C8-4C90-9742-E825070E1E4E}" destId="{98E2D20B-BDD5-4227-B8D2-BF4C97F00BC6}" srcOrd="0" destOrd="0" presId="urn:microsoft.com/office/officeart/2005/8/layout/cycle7"/>
+    <dgm:cxn modelId="{A773878B-C62C-4308-87C5-4483453AF95B}" type="presOf" srcId="{9BEBC8D1-3C9C-4E06-81AA-F85465EA2A13}" destId="{34E35DF9-C133-410D-9489-2381754DFDD6}" srcOrd="1" destOrd="0" presId="urn:microsoft.com/office/officeart/2005/8/layout/cycle7"/>
+    <dgm:cxn modelId="{D39EDAB8-C9A7-436E-B6CD-6FD25F89EA60}" type="presOf" srcId="{DA0E86C5-F142-45D1-B8E4-E34065682091}" destId="{FBDB41FC-41AA-4FA6-9892-F71CA2F8AF02}" srcOrd="0" destOrd="0" presId="urn:microsoft.com/office/officeart/2005/8/layout/cycle7"/>
+    <dgm:cxn modelId="{4A49A7DF-D07D-4615-AC71-9F8FE3013D7C}" srcId="{BA45F6EF-8FCA-461E-A7AF-C413FB957567}" destId="{91B0E673-6D36-4727-90C0-351386837A69}" srcOrd="2" destOrd="0" parTransId="{2CFF16DB-4082-45D7-A99D-68305A80CBCB}" sibTransId="{9BEBC8D1-3C9C-4E06-81AA-F85465EA2A13}"/>
     <dgm:cxn modelId="{630A88D1-16B3-4B6A-BDE9-8DA03D817166}" type="presParOf" srcId="{578E4A5E-96E8-48D7-BCE1-A5EC5EF1919B}" destId="{E030DFFA-4D91-4D4A-B615-FE32023076CB}" srcOrd="0" destOrd="0" presId="urn:microsoft.com/office/officeart/2005/8/layout/cycle7"/>
     <dgm:cxn modelId="{081F84E1-0C87-48B1-A72D-2F1484D5F43D}" type="presParOf" srcId="{578E4A5E-96E8-48D7-BCE1-A5EC5EF1919B}" destId="{98E2D20B-BDD5-4227-B8D2-BF4C97F00BC6}" srcOrd="1" destOrd="0" presId="urn:microsoft.com/office/officeart/2005/8/layout/cycle7"/>
     <dgm:cxn modelId="{27FF7BEC-4BD3-4093-A786-330F4E931158}" type="presParOf" srcId="{98E2D20B-BDD5-4227-B8D2-BF4C97F00BC6}" destId="{DD643437-EA89-43DB-9DB4-E9551DE1BD34}" srcOrd="0" destOrd="0" presId="urn:microsoft.com/office/officeart/2005/8/layout/cycle7"/>
@@ -2602,10 +2597,9 @@
         <a:lstStyle/>
         <a:p>
           <a:r>
-            <a:rPr lang="es-AR" dirty="0" smtClean="0"/>
+            <a:rPr lang="es-AR" dirty="0"/>
             <a:t>Impresión en pantalla</a:t>
           </a:r>
-          <a:endParaRPr lang="es-AR" dirty="0"/>
         </a:p>
       </dgm:t>
     </dgm:pt>
@@ -2639,10 +2633,9 @@
         <a:lstStyle/>
         <a:p>
           <a:r>
-            <a:rPr lang="es-AR" dirty="0" smtClean="0"/>
+            <a:rPr lang="es-AR" dirty="0"/>
             <a:t>Sincronismo</a:t>
           </a:r>
-          <a:endParaRPr lang="es-AR" dirty="0"/>
         </a:p>
       </dgm:t>
     </dgm:pt>
@@ -2676,10 +2669,9 @@
         <a:lstStyle/>
         <a:p>
           <a:r>
-            <a:rPr lang="es-AR" dirty="0" smtClean="0"/>
+            <a:rPr lang="es-AR" dirty="0"/>
             <a:t>Codificación de dígitos</a:t>
           </a:r>
-          <a:endParaRPr lang="es-AR" dirty="0"/>
         </a:p>
       </dgm:t>
     </dgm:pt>
@@ -2728,13 +2720,6 @@
         </dgm:presLayoutVars>
       </dgm:prSet>
       <dgm:spPr/>
-      <dgm:t>
-        <a:bodyPr/>
-        <a:lstStyle/>
-        <a:p>
-          <a:endParaRPr lang="es-AR"/>
-        </a:p>
-      </dgm:t>
     </dgm:pt>
     <dgm:pt modelId="{0501E8B9-8F98-432E-B309-D66E45ED345F}" type="pres">
       <dgm:prSet presAssocID="{B97DA2F7-1402-4CDD-B96A-65AFD9285563}" presName="level2hierChild" presStyleCnt="0"/>
@@ -2759,13 +2744,6 @@
         </dgm:presLayoutVars>
       </dgm:prSet>
       <dgm:spPr/>
-      <dgm:t>
-        <a:bodyPr/>
-        <a:lstStyle/>
-        <a:p>
-          <a:endParaRPr lang="es-AR"/>
-        </a:p>
-      </dgm:t>
     </dgm:pt>
     <dgm:pt modelId="{57C80169-6899-409B-B7DE-5D17C4D4CE84}" type="pres">
       <dgm:prSet presAssocID="{BC02FA6E-29EF-4EA7-A3EF-E417B682FC1B}" presName="level3hierChild" presStyleCnt="0"/>
@@ -2790,13 +2768,6 @@
         </dgm:presLayoutVars>
       </dgm:prSet>
       <dgm:spPr/>
-      <dgm:t>
-        <a:bodyPr/>
-        <a:lstStyle/>
-        <a:p>
-          <a:endParaRPr lang="es-AR"/>
-        </a:p>
-      </dgm:t>
     </dgm:pt>
     <dgm:pt modelId="{5B212518-0C10-4F82-BBB9-67EC40519FF4}" type="pres">
       <dgm:prSet presAssocID="{3505C913-DC89-4423-AA02-AF84B87D44B9}" presName="level3hierChild" presStyleCnt="0"/>
@@ -2804,17 +2775,17 @@
     </dgm:pt>
   </dgm:ptLst>
   <dgm:cxnLst>
+    <dgm:cxn modelId="{9D65090D-78C0-4CFA-B937-C38F0E944F21}" srcId="{B97DA2F7-1402-4CDD-B96A-65AFD9285563}" destId="{BC02FA6E-29EF-4EA7-A3EF-E417B682FC1B}" srcOrd="0" destOrd="0" parTransId="{B0A7145E-01D7-4F2B-820E-3A0B863106B9}" sibTransId="{A189A3C8-BD9F-4175-975E-22764DE49CFF}"/>
+    <dgm:cxn modelId="{029E762C-BAB2-49D8-B2AB-556ACCD55AD0}" type="presOf" srcId="{BC02FA6E-29EF-4EA7-A3EF-E417B682FC1B}" destId="{B1984C7A-4E95-4109-B1D2-D5FA99844449}" srcOrd="0" destOrd="0" presId="urn:microsoft.com/office/officeart/2005/8/layout/hierarchy2"/>
+    <dgm:cxn modelId="{38244434-009F-4A0D-B16C-C3904675406F}" srcId="{B97DA2F7-1402-4CDD-B96A-65AFD9285563}" destId="{3505C913-DC89-4423-AA02-AF84B87D44B9}" srcOrd="1" destOrd="0" parTransId="{66C476C0-33F7-4F63-8E55-BEEC19C27FC8}" sibTransId="{CF5E9E09-19C5-4EFC-B9D8-6671C2F51619}"/>
+    <dgm:cxn modelId="{F8067C4F-A46D-44D4-9002-588796BB0381}" type="presOf" srcId="{66C476C0-33F7-4F63-8E55-BEEC19C27FC8}" destId="{CC5A3E8B-8E3A-4980-9583-15A3B75BBCB0}" srcOrd="0" destOrd="0" presId="urn:microsoft.com/office/officeart/2005/8/layout/hierarchy2"/>
+    <dgm:cxn modelId="{FE22678D-7A22-40B9-BC81-45E82B1169BB}" type="presOf" srcId="{B97DA2F7-1402-4CDD-B96A-65AFD9285563}" destId="{FF516563-7DB7-4EBA-AB8B-5E3F77349B4F}" srcOrd="0" destOrd="0" presId="urn:microsoft.com/office/officeart/2005/8/layout/hierarchy2"/>
+    <dgm:cxn modelId="{EB0A519D-F9A7-4E91-AB43-09D9AF0BFD76}" srcId="{C47A8D82-ED50-4C54-AFC4-F0961AFD3D9E}" destId="{B97DA2F7-1402-4CDD-B96A-65AFD9285563}" srcOrd="0" destOrd="0" parTransId="{16018BEF-D63A-48C1-9779-6782CD4C964D}" sibTransId="{7FE6776B-8C8F-43CA-A79B-64BC59B65D32}"/>
     <dgm:cxn modelId="{525674C8-5D9D-4609-984D-B4E275FB6776}" type="presOf" srcId="{B0A7145E-01D7-4F2B-820E-3A0B863106B9}" destId="{CD2C26FB-2552-4249-A533-1CDFD01F6A27}" srcOrd="1" destOrd="0" presId="urn:microsoft.com/office/officeart/2005/8/layout/hierarchy2"/>
-    <dgm:cxn modelId="{FE22678D-7A22-40B9-BC81-45E82B1169BB}" type="presOf" srcId="{B97DA2F7-1402-4CDD-B96A-65AFD9285563}" destId="{FF516563-7DB7-4EBA-AB8B-5E3F77349B4F}" srcOrd="0" destOrd="0" presId="urn:microsoft.com/office/officeart/2005/8/layout/hierarchy2"/>
+    <dgm:cxn modelId="{D49342DC-D512-4021-9F9A-090146AEA2DD}" type="presOf" srcId="{66C476C0-33F7-4F63-8E55-BEEC19C27FC8}" destId="{5064EA50-2914-4EAB-A412-8A4679F10CA7}" srcOrd="1" destOrd="0" presId="urn:microsoft.com/office/officeart/2005/8/layout/hierarchy2"/>
+    <dgm:cxn modelId="{1643B5ED-6733-454B-A0F4-A9A51151E1E2}" type="presOf" srcId="{3505C913-DC89-4423-AA02-AF84B87D44B9}" destId="{1E957AF7-DE4E-466B-B0F6-1DA81122F2DB}" srcOrd="0" destOrd="0" presId="urn:microsoft.com/office/officeart/2005/8/layout/hierarchy2"/>
+    <dgm:cxn modelId="{A47E84F0-E7B2-4631-A38A-9C7027EAAA56}" type="presOf" srcId="{B0A7145E-01D7-4F2B-820E-3A0B863106B9}" destId="{13F061DA-7E0D-4621-821A-A9918D7FE312}" srcOrd="0" destOrd="0" presId="urn:microsoft.com/office/officeart/2005/8/layout/hierarchy2"/>
     <dgm:cxn modelId="{2213F5F4-0587-4E6F-A13D-985795B35CCA}" type="presOf" srcId="{C47A8D82-ED50-4C54-AFC4-F0961AFD3D9E}" destId="{81467CFF-3C84-4FDA-9246-2B91334D105A}" srcOrd="0" destOrd="0" presId="urn:microsoft.com/office/officeart/2005/8/layout/hierarchy2"/>
-    <dgm:cxn modelId="{F8067C4F-A46D-44D4-9002-588796BB0381}" type="presOf" srcId="{66C476C0-33F7-4F63-8E55-BEEC19C27FC8}" destId="{CC5A3E8B-8E3A-4980-9583-15A3B75BBCB0}" srcOrd="0" destOrd="0" presId="urn:microsoft.com/office/officeart/2005/8/layout/hierarchy2"/>
-    <dgm:cxn modelId="{029E762C-BAB2-49D8-B2AB-556ACCD55AD0}" type="presOf" srcId="{BC02FA6E-29EF-4EA7-A3EF-E417B682FC1B}" destId="{B1984C7A-4E95-4109-B1D2-D5FA99844449}" srcOrd="0" destOrd="0" presId="urn:microsoft.com/office/officeart/2005/8/layout/hierarchy2"/>
-    <dgm:cxn modelId="{9D65090D-78C0-4CFA-B937-C38F0E944F21}" srcId="{B97DA2F7-1402-4CDD-B96A-65AFD9285563}" destId="{BC02FA6E-29EF-4EA7-A3EF-E417B682FC1B}" srcOrd="0" destOrd="0" parTransId="{B0A7145E-01D7-4F2B-820E-3A0B863106B9}" sibTransId="{A189A3C8-BD9F-4175-975E-22764DE49CFF}"/>
-    <dgm:cxn modelId="{EB0A519D-F9A7-4E91-AB43-09D9AF0BFD76}" srcId="{C47A8D82-ED50-4C54-AFC4-F0961AFD3D9E}" destId="{B97DA2F7-1402-4CDD-B96A-65AFD9285563}" srcOrd="0" destOrd="0" parTransId="{16018BEF-D63A-48C1-9779-6782CD4C964D}" sibTransId="{7FE6776B-8C8F-43CA-A79B-64BC59B65D32}"/>
-    <dgm:cxn modelId="{D49342DC-D512-4021-9F9A-090146AEA2DD}" type="presOf" srcId="{66C476C0-33F7-4F63-8E55-BEEC19C27FC8}" destId="{5064EA50-2914-4EAB-A412-8A4679F10CA7}" srcOrd="1" destOrd="0" presId="urn:microsoft.com/office/officeart/2005/8/layout/hierarchy2"/>
-    <dgm:cxn modelId="{A47E84F0-E7B2-4631-A38A-9C7027EAAA56}" type="presOf" srcId="{B0A7145E-01D7-4F2B-820E-3A0B863106B9}" destId="{13F061DA-7E0D-4621-821A-A9918D7FE312}" srcOrd="0" destOrd="0" presId="urn:microsoft.com/office/officeart/2005/8/layout/hierarchy2"/>
-    <dgm:cxn modelId="{38244434-009F-4A0D-B16C-C3904675406F}" srcId="{B97DA2F7-1402-4CDD-B96A-65AFD9285563}" destId="{3505C913-DC89-4423-AA02-AF84B87D44B9}" srcOrd="1" destOrd="0" parTransId="{66C476C0-33F7-4F63-8E55-BEEC19C27FC8}" sibTransId="{CF5E9E09-19C5-4EFC-B9D8-6671C2F51619}"/>
-    <dgm:cxn modelId="{1643B5ED-6733-454B-A0F4-A9A51151E1E2}" type="presOf" srcId="{3505C913-DC89-4423-AA02-AF84B87D44B9}" destId="{1E957AF7-DE4E-466B-B0F6-1DA81122F2DB}" srcOrd="0" destOrd="0" presId="urn:microsoft.com/office/officeart/2005/8/layout/hierarchy2"/>
     <dgm:cxn modelId="{9FE25A67-D1F7-4BD3-A9AA-43647D8EBB62}" type="presParOf" srcId="{81467CFF-3C84-4FDA-9246-2B91334D105A}" destId="{66285359-87CE-496B-88F9-46AD11E37BCC}" srcOrd="0" destOrd="0" presId="urn:microsoft.com/office/officeart/2005/8/layout/hierarchy2"/>
     <dgm:cxn modelId="{16158B98-E286-41FB-B04A-C7C055B5842A}" type="presParOf" srcId="{66285359-87CE-496B-88F9-46AD11E37BCC}" destId="{FF516563-7DB7-4EBA-AB8B-5E3F77349B4F}" srcOrd="0" destOrd="0" presId="urn:microsoft.com/office/officeart/2005/8/layout/hierarchy2"/>
     <dgm:cxn modelId="{582965F5-BC24-45D8-9AFD-9D7485F68E5B}" type="presParOf" srcId="{66285359-87CE-496B-88F9-46AD11E37BCC}" destId="{0501E8B9-8F98-432E-B309-D66E45ED345F}" srcOrd="1" destOrd="0" presId="urn:microsoft.com/office/officeart/2005/8/layout/hierarchy2"/>
@@ -2861,10 +2832,9 @@
         <a:lstStyle/>
         <a:p>
           <a:r>
-            <a:rPr lang="es-AR" smtClean="0"/>
-            <a:t>Resolusion</a:t>
+            <a:rPr lang="es-AR" dirty="0"/>
+            <a:t>Resolución</a:t>
           </a:r>
-          <a:endParaRPr lang="es-AR" dirty="0"/>
         </a:p>
       </dgm:t>
     </dgm:pt>
@@ -2898,10 +2868,9 @@
         <a:lstStyle/>
         <a:p>
           <a:r>
-            <a:rPr lang="es-AR" dirty="0" smtClean="0"/>
-            <a:t>640 por 480</a:t>
+            <a:rPr lang="es-AR" dirty="0"/>
+            <a:t>640x480</a:t>
           </a:r>
-          <a:endParaRPr lang="es-AR" dirty="0"/>
         </a:p>
       </dgm:t>
     </dgm:pt>
@@ -2935,10 +2904,9 @@
         <a:lstStyle/>
         <a:p>
           <a:r>
-            <a:rPr lang="es-AR" smtClean="0"/>
-            <a:t>60hz</a:t>
+            <a:rPr lang="es-AR" dirty="0"/>
+            <a:t>60Hz</a:t>
           </a:r>
-          <a:endParaRPr lang="es-AR" dirty="0"/>
         </a:p>
       </dgm:t>
     </dgm:pt>
@@ -2972,7 +2940,7 @@
         <a:lstStyle/>
         <a:p>
           <a:r>
-            <a:rPr lang="es-AR" dirty="0" err="1" smtClean="0"/>
+            <a:rPr lang="es-AR" dirty="0" err="1"/>
             <a:t>hsync</a:t>
           </a:r>
           <a:endParaRPr lang="es-AR" dirty="0"/>
@@ -3009,18 +2977,17 @@
         <a:lstStyle/>
         <a:p>
           <a:r>
-            <a:rPr lang="es-AR" dirty="0" smtClean="0"/>
+            <a:rPr lang="es-AR" dirty="0"/>
             <a:t>Back </a:t>
           </a:r>
           <a:r>
-            <a:rPr lang="es-AR" dirty="0" err="1" smtClean="0"/>
+            <a:rPr lang="es-AR" dirty="0" err="1"/>
             <a:t>porch</a:t>
           </a:r>
           <a:r>
-            <a:rPr lang="es-AR" dirty="0" smtClean="0"/>
+            <a:rPr lang="es-AR" dirty="0"/>
             <a:t> 48pixeles</a:t>
           </a:r>
-          <a:endParaRPr lang="es-AR" dirty="0"/>
         </a:p>
       </dgm:t>
     </dgm:pt>
@@ -3054,22 +3021,17 @@
         <a:lstStyle/>
         <a:p>
           <a:r>
-            <a:rPr lang="es-AR" dirty="0" smtClean="0"/>
+            <a:rPr lang="es-AR" dirty="0"/>
             <a:t>Front </a:t>
           </a:r>
           <a:r>
-            <a:rPr lang="es-AR" dirty="0" err="1" smtClean="0"/>
+            <a:rPr lang="es-AR" dirty="0" err="1"/>
             <a:t>porch</a:t>
           </a:r>
           <a:r>
-            <a:rPr lang="es-AR" dirty="0" smtClean="0"/>
-            <a:t> 16</a:t>
+            <a:rPr lang="es-AR" dirty="0"/>
+            <a:t> 16pixeles</a:t>
           </a:r>
-          <a:r>
-            <a:rPr lang="es-AR" dirty="0" smtClean="0"/>
-            <a:t>pixeles</a:t>
-          </a:r>
-          <a:endParaRPr lang="es-AR" dirty="0"/>
         </a:p>
       </dgm:t>
     </dgm:pt>
@@ -3103,7 +3065,7 @@
         <a:lstStyle/>
         <a:p>
           <a:r>
-            <a:rPr lang="es-AR" dirty="0" err="1" smtClean="0"/>
+            <a:rPr lang="es-AR" dirty="0" err="1"/>
             <a:t>vsync</a:t>
           </a:r>
           <a:endParaRPr lang="es-AR" dirty="0"/>
@@ -3140,18 +3102,17 @@
         <a:lstStyle/>
         <a:p>
           <a:r>
-            <a:rPr lang="es-AR" dirty="0" smtClean="0"/>
+            <a:rPr lang="es-AR" dirty="0"/>
             <a:t>Back </a:t>
           </a:r>
           <a:r>
-            <a:rPr lang="es-AR" dirty="0" err="1" smtClean="0"/>
+            <a:rPr lang="es-AR" dirty="0" err="1"/>
             <a:t>porch</a:t>
           </a:r>
           <a:r>
-            <a:rPr lang="es-AR" dirty="0" smtClean="0"/>
+            <a:rPr lang="es-AR" dirty="0"/>
             <a:t> 33 filas</a:t>
           </a:r>
-          <a:endParaRPr lang="es-AR" dirty="0"/>
         </a:p>
       </dgm:t>
     </dgm:pt>
@@ -3185,18 +3146,13 @@
         <a:lstStyle/>
         <a:p>
           <a:r>
-            <a:rPr lang="es-AR" dirty="0" err="1" smtClean="0"/>
-            <a:t>Synck</a:t>
+            <a:rPr lang="es-AR" dirty="0" err="1"/>
+            <a:t>Sync</a:t>
           </a:r>
           <a:r>
-            <a:rPr lang="es-AR" dirty="0" smtClean="0"/>
-            <a:t> 96</a:t>
+            <a:rPr lang="es-AR" dirty="0"/>
+            <a:t> 96pixeles</a:t>
           </a:r>
-          <a:r>
-            <a:rPr lang="es-AR" dirty="0" smtClean="0"/>
-            <a:t>pixeles</a:t>
-          </a:r>
-          <a:endParaRPr lang="es-AR" dirty="0"/>
         </a:p>
       </dgm:t>
     </dgm:pt>
@@ -3230,14 +3186,13 @@
         <a:lstStyle/>
         <a:p>
           <a:r>
-            <a:rPr lang="es-AR" dirty="0" err="1" smtClean="0"/>
-            <a:t>Synck</a:t>
+            <a:rPr lang="es-AR" dirty="0" err="1"/>
+            <a:t>Sync</a:t>
           </a:r>
           <a:r>
-            <a:rPr lang="es-AR" dirty="0" smtClean="0"/>
+            <a:rPr lang="es-AR" dirty="0"/>
             <a:t> 2 filas</a:t>
           </a:r>
-          <a:endParaRPr lang="es-AR" dirty="0"/>
         </a:p>
       </dgm:t>
     </dgm:pt>
@@ -3271,15 +3226,15 @@
         <a:lstStyle/>
         <a:p>
           <a:r>
-            <a:rPr lang="es-AR" dirty="0" smtClean="0"/>
+            <a:rPr lang="es-AR" dirty="0"/>
             <a:t>Front </a:t>
           </a:r>
           <a:r>
-            <a:rPr lang="es-AR" err="1" smtClean="0"/>
+            <a:rPr lang="es-AR" err="1"/>
             <a:t>porch</a:t>
           </a:r>
           <a:r>
-            <a:rPr lang="es-AR" smtClean="0"/>
+            <a:rPr lang="es-AR"/>
             <a:t>  10 filas</a:t>
           </a:r>
           <a:endParaRPr lang="es-AR" dirty="0"/>
@@ -3338,13 +3293,6 @@
         </dgm:presLayoutVars>
       </dgm:prSet>
       <dgm:spPr/>
-      <dgm:t>
-        <a:bodyPr/>
-        <a:lstStyle/>
-        <a:p>
-          <a:endParaRPr lang="es-AR"/>
-        </a:p>
-      </dgm:t>
     </dgm:pt>
     <dgm:pt modelId="{B1A7FFDE-8C15-4D8B-A3D0-79F97313603C}" type="pres">
       <dgm:prSet presAssocID="{E69040B9-409C-4740-B2E6-8B0254E92CBF}" presName="sp" presStyleCnt="0"/>
@@ -3362,13 +3310,6 @@
         </dgm:presLayoutVars>
       </dgm:prSet>
       <dgm:spPr/>
-      <dgm:t>
-        <a:bodyPr/>
-        <a:lstStyle/>
-        <a:p>
-          <a:endParaRPr lang="es-AR"/>
-        </a:p>
-      </dgm:t>
     </dgm:pt>
     <dgm:pt modelId="{60B8DA9A-4EE3-4D35-AE78-753C9107DDA5}" type="pres">
       <dgm:prSet presAssocID="{84C8CB92-9A8B-4CA6-8A0A-7F0EE65A879C}" presName="descendantText" presStyleLbl="alignAcc1" presStyleIdx="1" presStyleCnt="3" custLinFactNeighborX="0" custLinFactNeighborY="-1028">
@@ -3377,13 +3318,6 @@
         </dgm:presLayoutVars>
       </dgm:prSet>
       <dgm:spPr/>
-      <dgm:t>
-        <a:bodyPr/>
-        <a:lstStyle/>
-        <a:p>
-          <a:endParaRPr lang="es-AR"/>
-        </a:p>
-      </dgm:t>
     </dgm:pt>
     <dgm:pt modelId="{81B0FAF4-0C60-4005-B39E-EE3ADF648629}" type="pres">
       <dgm:prSet presAssocID="{6AA225EA-D201-4AF7-9574-751FC0FAAEDC}" presName="sp" presStyleCnt="0"/>
@@ -3409,39 +3343,32 @@
         </dgm:presLayoutVars>
       </dgm:prSet>
       <dgm:spPr/>
-      <dgm:t>
-        <a:bodyPr/>
-        <a:lstStyle/>
-        <a:p>
-          <a:endParaRPr lang="es-AR"/>
-        </a:p>
-      </dgm:t>
     </dgm:pt>
   </dgm:ptLst>
   <dgm:cxnLst>
+    <dgm:cxn modelId="{7D84E000-F313-4CD7-B970-A17B52F5D089}" type="presOf" srcId="{49B43D70-A14F-448B-A155-EAE390ED9808}" destId="{60B8DA9A-4EE3-4D35-AE78-753C9107DDA5}" srcOrd="0" destOrd="0" presId="urn:microsoft.com/office/officeart/2005/8/layout/chevron2"/>
+    <dgm:cxn modelId="{53124C0C-8364-46D1-AEDD-BF97BBDC4DB0}" srcId="{D08DEE97-672E-4CB6-9057-7792B351166E}" destId="{F37ED9A1-9F6F-4587-9CAC-D1D7239CEBA4}" srcOrd="2" destOrd="0" parTransId="{46B6A62C-5A0B-4FCB-B554-DE6FC8938408}" sibTransId="{DEFCD1BB-A5FA-41FF-A818-43EB9C264CFE}"/>
+    <dgm:cxn modelId="{4924AE0C-B36C-4447-B396-60A8FC73E5C6}" srcId="{D26815DA-A81D-48B3-A95D-01B34C82F39C}" destId="{D08DEE97-672E-4CB6-9057-7792B351166E}" srcOrd="2" destOrd="0" parTransId="{26AE0093-619B-45A6-84D2-7AF1792D7946}" sibTransId="{01C83BF5-A77B-4E23-9C4D-95264C2C3A11}"/>
+    <dgm:cxn modelId="{0F659E28-269E-453B-AF77-1B8BD58A6C58}" type="presOf" srcId="{9EE0D904-CC5E-412D-9254-3F07FF65B421}" destId="{F67BCE64-DEB0-421D-83E1-3229E109FADE}" srcOrd="0" destOrd="1" presId="urn:microsoft.com/office/officeart/2005/8/layout/chevron2"/>
+    <dgm:cxn modelId="{B943EB2C-04EF-4E3E-9E6C-27F88A4C810E}" srcId="{84C8CB92-9A8B-4CA6-8A0A-7F0EE65A879C}" destId="{EEC0DEEA-12D3-4A51-8994-0A82D67FBEE3}" srcOrd="1" destOrd="0" parTransId="{0921709E-3512-49DD-BB05-CD6797C43A79}" sibTransId="{2E710C2E-4A9E-414A-9E0A-E75BEAFA5E96}"/>
+    <dgm:cxn modelId="{82A5D833-723F-450B-A646-FE65C5DB50E8}" type="presOf" srcId="{4514078B-3ADE-4092-BD57-847E13CFB418}" destId="{194DD9EF-3C96-4798-8958-C814CA643569}" srcOrd="0" destOrd="0" presId="urn:microsoft.com/office/officeart/2005/8/layout/chevron2"/>
+    <dgm:cxn modelId="{95CA905E-54F0-4574-AE07-52C0B0C5E425}" srcId="{4514078B-3ADE-4092-BD57-847E13CFB418}" destId="{2E1A8A3C-0A02-4159-A35D-364568665DBF}" srcOrd="1" destOrd="0" parTransId="{0F28AC79-5C9B-439E-B246-B9B94667C406}" sibTransId="{BE1D7251-DD0C-48D3-AA2B-0F2BB5EDC9CE}"/>
+    <dgm:cxn modelId="{14587A50-AEE2-4F46-ACCE-1A23CE7525CC}" type="presOf" srcId="{D08DEE97-672E-4CB6-9057-7792B351166E}" destId="{8DA922B8-DF79-4313-89AB-5E323B8E30D0}" srcOrd="0" destOrd="0" presId="urn:microsoft.com/office/officeart/2005/8/layout/chevron2"/>
+    <dgm:cxn modelId="{E83DA958-70A3-4889-8463-2B4DA8E46B56}" type="presOf" srcId="{AF9B88A5-9A73-4CD9-BE0E-B6CFFBC33A49}" destId="{F67BCE64-DEB0-421D-83E1-3229E109FADE}" srcOrd="0" destOrd="0" presId="urn:microsoft.com/office/officeart/2005/8/layout/chevron2"/>
+    <dgm:cxn modelId="{8BF5F57C-6049-4FF4-BF03-57E7BAAA9FC2}" type="presOf" srcId="{7F9E047E-7D12-4D77-9AB1-F407BD8DCCC1}" destId="{60B8DA9A-4EE3-4D35-AE78-753C9107DDA5}" srcOrd="0" destOrd="2" presId="urn:microsoft.com/office/officeart/2005/8/layout/chevron2"/>
+    <dgm:cxn modelId="{77773980-F38B-4CD7-90AE-F968A52A3F96}" type="presOf" srcId="{D26815DA-A81D-48B3-A95D-01B34C82F39C}" destId="{99FC788E-7EF8-43C7-8E04-FDFF55C63F7D}" srcOrd="0" destOrd="0" presId="urn:microsoft.com/office/officeart/2005/8/layout/chevron2"/>
+    <dgm:cxn modelId="{8B10E888-7CA0-43C3-8183-BFECBF963574}" type="presOf" srcId="{84C8CB92-9A8B-4CA6-8A0A-7F0EE65A879C}" destId="{CB46F122-D5EA-4536-BB96-67502FF19C63}" srcOrd="0" destOrd="0" presId="urn:microsoft.com/office/officeart/2005/8/layout/chevron2"/>
+    <dgm:cxn modelId="{8B7FDF8B-9D92-42D1-8F31-74DBF954395C}" srcId="{4514078B-3ADE-4092-BD57-847E13CFB418}" destId="{AE5D3A07-EC47-4229-86C3-021B0FD2B314}" srcOrd="0" destOrd="0" parTransId="{4212454E-E02F-4F49-B50B-09F6F1C4A6F1}" sibTransId="{AD0E09D0-F763-4AF0-BECD-2D6BE5E4277E}"/>
+    <dgm:cxn modelId="{9A70EC8B-2B7D-49CC-988F-26D57CDDFA76}" type="presOf" srcId="{AE5D3A07-EC47-4229-86C3-021B0FD2B314}" destId="{1609DAC4-B89B-4321-8678-FC06C2AE4E2E}" srcOrd="0" destOrd="0" presId="urn:microsoft.com/office/officeart/2005/8/layout/chevron2"/>
     <dgm:cxn modelId="{CF3DAA9C-5F31-4F2D-B34A-31D7FA4E454E}" type="presOf" srcId="{F37ED9A1-9F6F-4587-9CAC-D1D7239CEBA4}" destId="{F67BCE64-DEB0-421D-83E1-3229E109FADE}" srcOrd="0" destOrd="2" presId="urn:microsoft.com/office/officeart/2005/8/layout/chevron2"/>
-    <dgm:cxn modelId="{E83DA958-70A3-4889-8463-2B4DA8E46B56}" type="presOf" srcId="{AF9B88A5-9A73-4CD9-BE0E-B6CFFBC33A49}" destId="{F67BCE64-DEB0-421D-83E1-3229E109FADE}" srcOrd="0" destOrd="0" presId="urn:microsoft.com/office/officeart/2005/8/layout/chevron2"/>
-    <dgm:cxn modelId="{14587A50-AEE2-4F46-ACCE-1A23CE7525CC}" type="presOf" srcId="{D08DEE97-672E-4CB6-9057-7792B351166E}" destId="{8DA922B8-DF79-4313-89AB-5E323B8E30D0}" srcOrd="0" destOrd="0" presId="urn:microsoft.com/office/officeart/2005/8/layout/chevron2"/>
-    <dgm:cxn modelId="{53124C0C-8364-46D1-AEDD-BF97BBDC4DB0}" srcId="{D08DEE97-672E-4CB6-9057-7792B351166E}" destId="{F37ED9A1-9F6F-4587-9CAC-D1D7239CEBA4}" srcOrd="2" destOrd="0" parTransId="{46B6A62C-5A0B-4FCB-B554-DE6FC8938408}" sibTransId="{DEFCD1BB-A5FA-41FF-A818-43EB9C264CFE}"/>
-    <dgm:cxn modelId="{8BF5F57C-6049-4FF4-BF03-57E7BAAA9FC2}" type="presOf" srcId="{7F9E047E-7D12-4D77-9AB1-F407BD8DCCC1}" destId="{60B8DA9A-4EE3-4D35-AE78-753C9107DDA5}" srcOrd="0" destOrd="2" presId="urn:microsoft.com/office/officeart/2005/8/layout/chevron2"/>
-    <dgm:cxn modelId="{82A5D833-723F-450B-A646-FE65C5DB50E8}" type="presOf" srcId="{4514078B-3ADE-4092-BD57-847E13CFB418}" destId="{194DD9EF-3C96-4798-8958-C814CA643569}" srcOrd="0" destOrd="0" presId="urn:microsoft.com/office/officeart/2005/8/layout/chevron2"/>
+    <dgm:cxn modelId="{54F36DAF-AF4D-42DA-9FA2-DEFE2EE1BC03}" srcId="{D08DEE97-672E-4CB6-9057-7792B351166E}" destId="{AF9B88A5-9A73-4CD9-BE0E-B6CFFBC33A49}" srcOrd="0" destOrd="0" parTransId="{A9FEA763-2070-46FA-981A-7CD01490303C}" sibTransId="{CD7A5E65-7616-431D-A09D-C2422A67E7E7}"/>
+    <dgm:cxn modelId="{DE4693B1-23E5-40B7-94DF-33447706528C}" srcId="{84C8CB92-9A8B-4CA6-8A0A-7F0EE65A879C}" destId="{7F9E047E-7D12-4D77-9AB1-F407BD8DCCC1}" srcOrd="2" destOrd="0" parTransId="{3E4E0E64-00CD-4497-AB14-07A858E3142C}" sibTransId="{4BFBDB78-09FA-4AEE-BE99-0269B2DB4C07}"/>
     <dgm:cxn modelId="{897DE4B6-84A2-487C-AFE2-E3E17727D917}" srcId="{D26815DA-A81D-48B3-A95D-01B34C82F39C}" destId="{4514078B-3ADE-4092-BD57-847E13CFB418}" srcOrd="0" destOrd="0" parTransId="{14D203D8-9524-4E85-B58F-46CA685B4450}" sibTransId="{E69040B9-409C-4740-B2E6-8B0254E92CBF}"/>
-    <dgm:cxn modelId="{7D84E000-F313-4CD7-B970-A17B52F5D089}" type="presOf" srcId="{49B43D70-A14F-448B-A155-EAE390ED9808}" destId="{60B8DA9A-4EE3-4D35-AE78-753C9107DDA5}" srcOrd="0" destOrd="0" presId="urn:microsoft.com/office/officeart/2005/8/layout/chevron2"/>
     <dgm:cxn modelId="{C16851D2-3AA1-4ECC-82D8-2EC15C413527}" type="presOf" srcId="{2E1A8A3C-0A02-4159-A35D-364568665DBF}" destId="{1609DAC4-B89B-4321-8678-FC06C2AE4E2E}" srcOrd="0" destOrd="1" presId="urn:microsoft.com/office/officeart/2005/8/layout/chevron2"/>
-    <dgm:cxn modelId="{9A70EC8B-2B7D-49CC-988F-26D57CDDFA76}" type="presOf" srcId="{AE5D3A07-EC47-4229-86C3-021B0FD2B314}" destId="{1609DAC4-B89B-4321-8678-FC06C2AE4E2E}" srcOrd="0" destOrd="0" presId="urn:microsoft.com/office/officeart/2005/8/layout/chevron2"/>
+    <dgm:cxn modelId="{00B198D8-73A5-4EBD-AB8A-8D5C6155522C}" type="presOf" srcId="{EEC0DEEA-12D3-4A51-8994-0A82D67FBEE3}" destId="{60B8DA9A-4EE3-4D35-AE78-753C9107DDA5}" srcOrd="0" destOrd="1" presId="urn:microsoft.com/office/officeart/2005/8/layout/chevron2"/>
+    <dgm:cxn modelId="{78C6C1E2-2CDD-4E88-8207-FF6A6F086979}" srcId="{D08DEE97-672E-4CB6-9057-7792B351166E}" destId="{9EE0D904-CC5E-412D-9254-3F07FF65B421}" srcOrd="1" destOrd="0" parTransId="{B2406A97-75DA-4CE8-B8A1-DC2A36D79181}" sibTransId="{A4D55ADE-4AD5-4919-BDAB-987EF3C8692F}"/>
     <dgm:cxn modelId="{A8704EE8-3793-4662-9437-F2DE7F610466}" srcId="{D26815DA-A81D-48B3-A95D-01B34C82F39C}" destId="{84C8CB92-9A8B-4CA6-8A0A-7F0EE65A879C}" srcOrd="1" destOrd="0" parTransId="{127CF585-B31B-49FE-A170-AA53A68615F7}" sibTransId="{6AA225EA-D201-4AF7-9574-751FC0FAAEDC}"/>
-    <dgm:cxn modelId="{78C6C1E2-2CDD-4E88-8207-FF6A6F086979}" srcId="{D08DEE97-672E-4CB6-9057-7792B351166E}" destId="{9EE0D904-CC5E-412D-9254-3F07FF65B421}" srcOrd="1" destOrd="0" parTransId="{B2406A97-75DA-4CE8-B8A1-DC2A36D79181}" sibTransId="{A4D55ADE-4AD5-4919-BDAB-987EF3C8692F}"/>
-    <dgm:cxn modelId="{95CA905E-54F0-4574-AE07-52C0B0C5E425}" srcId="{4514078B-3ADE-4092-BD57-847E13CFB418}" destId="{2E1A8A3C-0A02-4159-A35D-364568665DBF}" srcOrd="1" destOrd="0" parTransId="{0F28AC79-5C9B-439E-B246-B9B94667C406}" sibTransId="{BE1D7251-DD0C-48D3-AA2B-0F2BB5EDC9CE}"/>
-    <dgm:cxn modelId="{4924AE0C-B36C-4447-B396-60A8FC73E5C6}" srcId="{D26815DA-A81D-48B3-A95D-01B34C82F39C}" destId="{D08DEE97-672E-4CB6-9057-7792B351166E}" srcOrd="2" destOrd="0" parTransId="{26AE0093-619B-45A6-84D2-7AF1792D7946}" sibTransId="{01C83BF5-A77B-4E23-9C4D-95264C2C3A11}"/>
-    <dgm:cxn modelId="{B943EB2C-04EF-4E3E-9E6C-27F88A4C810E}" srcId="{84C8CB92-9A8B-4CA6-8A0A-7F0EE65A879C}" destId="{EEC0DEEA-12D3-4A51-8994-0A82D67FBEE3}" srcOrd="1" destOrd="0" parTransId="{0921709E-3512-49DD-BB05-CD6797C43A79}" sibTransId="{2E710C2E-4A9E-414A-9E0A-E75BEAFA5E96}"/>
-    <dgm:cxn modelId="{8B10E888-7CA0-43C3-8183-BFECBF963574}" type="presOf" srcId="{84C8CB92-9A8B-4CA6-8A0A-7F0EE65A879C}" destId="{CB46F122-D5EA-4536-BB96-67502FF19C63}" srcOrd="0" destOrd="0" presId="urn:microsoft.com/office/officeart/2005/8/layout/chevron2"/>
-    <dgm:cxn modelId="{54F36DAF-AF4D-42DA-9FA2-DEFE2EE1BC03}" srcId="{D08DEE97-672E-4CB6-9057-7792B351166E}" destId="{AF9B88A5-9A73-4CD9-BE0E-B6CFFBC33A49}" srcOrd="0" destOrd="0" parTransId="{A9FEA763-2070-46FA-981A-7CD01490303C}" sibTransId="{CD7A5E65-7616-431D-A09D-C2422A67E7E7}"/>
-    <dgm:cxn modelId="{00B198D8-73A5-4EBD-AB8A-8D5C6155522C}" type="presOf" srcId="{EEC0DEEA-12D3-4A51-8994-0A82D67FBEE3}" destId="{60B8DA9A-4EE3-4D35-AE78-753C9107DDA5}" srcOrd="0" destOrd="1" presId="urn:microsoft.com/office/officeart/2005/8/layout/chevron2"/>
-    <dgm:cxn modelId="{77773980-F38B-4CD7-90AE-F968A52A3F96}" type="presOf" srcId="{D26815DA-A81D-48B3-A95D-01B34C82F39C}" destId="{99FC788E-7EF8-43C7-8E04-FDFF55C63F7D}" srcOrd="0" destOrd="0" presId="urn:microsoft.com/office/officeart/2005/8/layout/chevron2"/>
-    <dgm:cxn modelId="{DE4693B1-23E5-40B7-94DF-33447706528C}" srcId="{84C8CB92-9A8B-4CA6-8A0A-7F0EE65A879C}" destId="{7F9E047E-7D12-4D77-9AB1-F407BD8DCCC1}" srcOrd="2" destOrd="0" parTransId="{3E4E0E64-00CD-4497-AB14-07A858E3142C}" sibTransId="{4BFBDB78-09FA-4AEE-BE99-0269B2DB4C07}"/>
     <dgm:cxn modelId="{EA0562F0-923E-4914-8C13-C63445521FCF}" srcId="{84C8CB92-9A8B-4CA6-8A0A-7F0EE65A879C}" destId="{49B43D70-A14F-448B-A155-EAE390ED9808}" srcOrd="0" destOrd="0" parTransId="{77EA892F-B66E-4811-9F56-06D39FB1D50A}" sibTransId="{65525B7F-1C7E-4CD6-9837-1D38AB3044CD}"/>
-    <dgm:cxn modelId="{8B7FDF8B-9D92-42D1-8F31-74DBF954395C}" srcId="{4514078B-3ADE-4092-BD57-847E13CFB418}" destId="{AE5D3A07-EC47-4229-86C3-021B0FD2B314}" srcOrd="0" destOrd="0" parTransId="{4212454E-E02F-4F49-B50B-09F6F1C4A6F1}" sibTransId="{AD0E09D0-F763-4AF0-BECD-2D6BE5E4277E}"/>
-    <dgm:cxn modelId="{0F659E28-269E-453B-AF77-1B8BD58A6C58}" type="presOf" srcId="{9EE0D904-CC5E-412D-9254-3F07FF65B421}" destId="{F67BCE64-DEB0-421D-83E1-3229E109FADE}" srcOrd="0" destOrd="1" presId="urn:microsoft.com/office/officeart/2005/8/layout/chevron2"/>
     <dgm:cxn modelId="{40417070-25B2-4925-B3EB-42C9AAD720F1}" type="presParOf" srcId="{99FC788E-7EF8-43C7-8E04-FDFF55C63F7D}" destId="{B3A38E51-E62C-4DB5-A3E9-2A5FE42CFABC}" srcOrd="0" destOrd="0" presId="urn:microsoft.com/office/officeart/2005/8/layout/chevron2"/>
     <dgm:cxn modelId="{1F206132-F619-4002-B0CD-C04FCD4E0FD0}" type="presParOf" srcId="{B3A38E51-E62C-4DB5-A3E9-2A5FE42CFABC}" destId="{194DD9EF-3C96-4798-8958-C814CA643569}" srcOrd="0" destOrd="0" presId="urn:microsoft.com/office/officeart/2005/8/layout/chevron2"/>
     <dgm:cxn modelId="{128625C6-8C48-4C2D-9A05-5B3BC6D7423B}" type="presParOf" srcId="{B3A38E51-E62C-4DB5-A3E9-2A5FE42CFABC}" destId="{1609DAC4-B89B-4321-8678-FC06C2AE4E2E}" srcOrd="1" destOrd="0" presId="urn:microsoft.com/office/officeart/2005/8/layout/chevron2"/>
@@ -3528,7 +3455,7 @@
         </a:bodyPr>
         <a:lstStyle/>
         <a:p>
-          <a:pPr lvl="0" algn="ctr" defTabSz="1200150">
+          <a:pPr marL="0" lvl="0" indent="0" algn="ctr" defTabSz="1200150">
             <a:lnSpc>
               <a:spcPct val="90000"/>
             </a:lnSpc>
@@ -3538,12 +3465,12 @@
             <a:spcAft>
               <a:spcPct val="35000"/>
             </a:spcAft>
+            <a:buNone/>
           </a:pPr>
           <a:r>
-            <a:rPr lang="es-AR" sz="2700" kern="1200" dirty="0" smtClean="0"/>
+            <a:rPr lang="es-AR" sz="2700" kern="1200" dirty="0"/>
             <a:t>Base de tiempo</a:t>
           </a:r>
-          <a:endParaRPr lang="es-AR" sz="2700" kern="1200" dirty="0"/>
         </a:p>
       </dsp:txBody>
       <dsp:txXfrm>
@@ -3601,7 +3528,7 @@
         </a:bodyPr>
         <a:lstStyle/>
         <a:p>
-          <a:pPr lvl="0" algn="ctr" defTabSz="666750">
+          <a:pPr marL="0" lvl="0" indent="0" algn="ctr" defTabSz="666750">
             <a:lnSpc>
               <a:spcPct val="90000"/>
             </a:lnSpc>
@@ -3611,6 +3538,7 @@
             <a:spcAft>
               <a:spcPct val="35000"/>
             </a:spcAft>
+            <a:buNone/>
           </a:pPr>
           <a:endParaRPr lang="es-AR" sz="1500" kern="1200"/>
         </a:p>
@@ -3676,7 +3604,7 @@
         </a:bodyPr>
         <a:lstStyle/>
         <a:p>
-          <a:pPr lvl="0" algn="ctr" defTabSz="1200150">
+          <a:pPr marL="0" lvl="0" indent="0" algn="ctr" defTabSz="1200150">
             <a:lnSpc>
               <a:spcPct val="90000"/>
             </a:lnSpc>
@@ -3686,12 +3614,12 @@
             <a:spcAft>
               <a:spcPct val="35000"/>
             </a:spcAft>
+            <a:buNone/>
           </a:pPr>
           <a:r>
-            <a:rPr lang="es-AR" sz="2700" kern="1200" dirty="0" smtClean="0"/>
+            <a:rPr lang="es-AR" sz="2700" kern="1200" dirty="0"/>
             <a:t>Impresión en pantalla</a:t>
           </a:r>
-          <a:endParaRPr lang="es-AR" sz="2700" kern="1200" dirty="0"/>
         </a:p>
       </dsp:txBody>
       <dsp:txXfrm>
@@ -3749,7 +3677,7 @@
         </a:bodyPr>
         <a:lstStyle/>
         <a:p>
-          <a:pPr lvl="0" algn="ctr" defTabSz="666750">
+          <a:pPr marL="0" lvl="0" indent="0" algn="ctr" defTabSz="666750">
             <a:lnSpc>
               <a:spcPct val="90000"/>
             </a:lnSpc>
@@ -3759,6 +3687,7 @@
             <a:spcAft>
               <a:spcPct val="35000"/>
             </a:spcAft>
+            <a:buNone/>
           </a:pPr>
           <a:endParaRPr lang="es-AR" sz="1500" kern="1200"/>
         </a:p>
@@ -3824,7 +3753,7 @@
         </a:bodyPr>
         <a:lstStyle/>
         <a:p>
-          <a:pPr lvl="0" algn="ctr" defTabSz="1200150">
+          <a:pPr marL="0" lvl="0" indent="0" algn="ctr" defTabSz="1200150">
             <a:lnSpc>
               <a:spcPct val="90000"/>
             </a:lnSpc>
@@ -3834,12 +3763,12 @@
             <a:spcAft>
               <a:spcPct val="35000"/>
             </a:spcAft>
+            <a:buNone/>
           </a:pPr>
           <a:r>
-            <a:rPr lang="es-AR" sz="2700" kern="1200" dirty="0" smtClean="0"/>
+            <a:rPr lang="es-AR" sz="2700" kern="1200" dirty="0"/>
             <a:t>Cronometro</a:t>
           </a:r>
-          <a:endParaRPr lang="es-AR" sz="2700" kern="1200" dirty="0"/>
         </a:p>
       </dsp:txBody>
       <dsp:txXfrm>
@@ -3897,7 +3826,7 @@
         </a:bodyPr>
         <a:lstStyle/>
         <a:p>
-          <a:pPr lvl="0" algn="ctr" defTabSz="666750">
+          <a:pPr marL="0" lvl="0" indent="0" algn="ctr" defTabSz="666750">
             <a:lnSpc>
               <a:spcPct val="90000"/>
             </a:lnSpc>
@@ -3907,6 +3836,7 @@
             <a:spcAft>
               <a:spcPct val="35000"/>
             </a:spcAft>
+            <a:buNone/>
           </a:pPr>
           <a:endParaRPr lang="es-AR" sz="1500" kern="1200"/>
         </a:p>
@@ -3984,7 +3914,7 @@
         </a:bodyPr>
         <a:lstStyle/>
         <a:p>
-          <a:pPr lvl="0" algn="ctr" defTabSz="1555750">
+          <a:pPr marL="0" lvl="0" indent="0" algn="ctr" defTabSz="1555750">
             <a:lnSpc>
               <a:spcPct val="90000"/>
             </a:lnSpc>
@@ -3994,12 +3924,12 @@
             <a:spcAft>
               <a:spcPct val="35000"/>
             </a:spcAft>
+            <a:buNone/>
           </a:pPr>
           <a:r>
-            <a:rPr lang="es-AR" sz="3500" kern="1200" dirty="0" smtClean="0"/>
+            <a:rPr lang="es-AR" sz="3500" kern="1200" dirty="0"/>
             <a:t>Impresión en pantalla</a:t>
           </a:r>
-          <a:endParaRPr lang="es-AR" sz="3500" kern="1200" dirty="0"/>
         </a:p>
       </dsp:txBody>
       <dsp:txXfrm>
@@ -4067,7 +3997,7 @@
         </a:bodyPr>
         <a:lstStyle/>
         <a:p>
-          <a:pPr lvl="0" algn="ctr" defTabSz="222250">
+          <a:pPr marL="0" lvl="0" indent="0" algn="ctr" defTabSz="222250">
             <a:lnSpc>
               <a:spcPct val="90000"/>
             </a:lnSpc>
@@ -4077,6 +4007,7 @@
             <a:spcAft>
               <a:spcPct val="35000"/>
             </a:spcAft>
+            <a:buNone/>
           </a:pPr>
           <a:endParaRPr lang="es-AR" sz="500" kern="1200"/>
         </a:p>
@@ -4142,7 +4073,7 @@
         </a:bodyPr>
         <a:lstStyle/>
         <a:p>
-          <a:pPr lvl="0" algn="ctr" defTabSz="1555750">
+          <a:pPr marL="0" lvl="0" indent="0" algn="ctr" defTabSz="1555750">
             <a:lnSpc>
               <a:spcPct val="90000"/>
             </a:lnSpc>
@@ -4152,12 +4083,12 @@
             <a:spcAft>
               <a:spcPct val="35000"/>
             </a:spcAft>
+            <a:buNone/>
           </a:pPr>
           <a:r>
-            <a:rPr lang="es-AR" sz="3500" kern="1200" dirty="0" smtClean="0"/>
+            <a:rPr lang="es-AR" sz="3500" kern="1200" dirty="0"/>
             <a:t>Sincronismo</a:t>
           </a:r>
-          <a:endParaRPr lang="es-AR" sz="3500" kern="1200" dirty="0"/>
         </a:p>
       </dsp:txBody>
       <dsp:txXfrm>
@@ -4225,7 +4156,7 @@
         </a:bodyPr>
         <a:lstStyle/>
         <a:p>
-          <a:pPr lvl="0" algn="ctr" defTabSz="222250">
+          <a:pPr marL="0" lvl="0" indent="0" algn="ctr" defTabSz="222250">
             <a:lnSpc>
               <a:spcPct val="90000"/>
             </a:lnSpc>
@@ -4235,6 +4166,7 @@
             <a:spcAft>
               <a:spcPct val="35000"/>
             </a:spcAft>
+            <a:buNone/>
           </a:pPr>
           <a:endParaRPr lang="es-AR" sz="500" kern="1200"/>
         </a:p>
@@ -4300,7 +4232,7 @@
         </a:bodyPr>
         <a:lstStyle/>
         <a:p>
-          <a:pPr lvl="0" algn="ctr" defTabSz="1555750">
+          <a:pPr marL="0" lvl="0" indent="0" algn="ctr" defTabSz="1555750">
             <a:lnSpc>
               <a:spcPct val="90000"/>
             </a:lnSpc>
@@ -4310,12 +4242,12 @@
             <a:spcAft>
               <a:spcPct val="35000"/>
             </a:spcAft>
+            <a:buNone/>
           </a:pPr>
           <a:r>
-            <a:rPr lang="es-AR" sz="3500" kern="1200" dirty="0" smtClean="0"/>
+            <a:rPr lang="es-AR" sz="3500" kern="1200" dirty="0"/>
             <a:t>Codificación de dígitos</a:t>
           </a:r>
-          <a:endParaRPr lang="es-AR" sz="3500" kern="1200" dirty="0"/>
         </a:p>
       </dsp:txBody>
       <dsp:txXfrm>
@@ -4389,7 +4321,7 @@
         </a:bodyPr>
         <a:lstStyle/>
         <a:p>
-          <a:pPr lvl="0" algn="ctr" defTabSz="800100">
+          <a:pPr marL="0" lvl="0" indent="0" algn="ctr" defTabSz="800100">
             <a:lnSpc>
               <a:spcPct val="90000"/>
             </a:lnSpc>
@@ -4399,12 +4331,12 @@
             <a:spcAft>
               <a:spcPct val="35000"/>
             </a:spcAft>
+            <a:buNone/>
           </a:pPr>
           <a:r>
-            <a:rPr lang="es-AR" sz="1800" kern="1200" smtClean="0"/>
-            <a:t>Resolusion</a:t>
+            <a:rPr lang="es-AR" sz="1800" kern="1200" dirty="0"/>
+            <a:t>Resolución</a:t>
           </a:r>
-          <a:endParaRPr lang="es-AR" sz="1800" kern="1200" dirty="0"/>
         </a:p>
       </dsp:txBody>
       <dsp:txXfrm rot="-5400000">
@@ -4475,13 +4407,12 @@
             <a:spcAft>
               <a:spcPct val="15000"/>
             </a:spcAft>
-            <a:buChar char="••"/>
+            <a:buChar char="•"/>
           </a:pPr>
           <a:r>
-            <a:rPr lang="es-AR" sz="1800" kern="1200" dirty="0" smtClean="0"/>
-            <a:t>640 por 480</a:t>
+            <a:rPr lang="es-AR" sz="1800" kern="1200" dirty="0"/>
+            <a:t>640x480</a:t>
           </a:r>
-          <a:endParaRPr lang="es-AR" sz="1800" kern="1200" dirty="0"/>
         </a:p>
         <a:p>
           <a:pPr marL="171450" lvl="1" indent="-171450" algn="l" defTabSz="800100">
@@ -4494,13 +4425,12 @@
             <a:spcAft>
               <a:spcPct val="15000"/>
             </a:spcAft>
-            <a:buChar char="••"/>
+            <a:buChar char="•"/>
           </a:pPr>
           <a:r>
-            <a:rPr lang="es-AR" sz="1800" kern="1200" smtClean="0"/>
-            <a:t>60hz</a:t>
+            <a:rPr lang="es-AR" sz="1800" kern="1200" dirty="0"/>
+            <a:t>60Hz</a:t>
           </a:r>
-          <a:endParaRPr lang="es-AR" sz="1800" kern="1200" dirty="0"/>
         </a:p>
       </dsp:txBody>
       <dsp:txXfrm rot="-5400000">
@@ -4562,7 +4492,7 @@
         </a:bodyPr>
         <a:lstStyle/>
         <a:p>
-          <a:pPr lvl="0" algn="ctr" defTabSz="800100">
+          <a:pPr marL="0" lvl="0" indent="0" algn="ctr" defTabSz="800100">
             <a:lnSpc>
               <a:spcPct val="90000"/>
             </a:lnSpc>
@@ -4572,9 +4502,10 @@
             <a:spcAft>
               <a:spcPct val="35000"/>
             </a:spcAft>
+            <a:buNone/>
           </a:pPr>
           <a:r>
-            <a:rPr lang="es-AR" sz="1800" kern="1200" dirty="0" err="1" smtClean="0"/>
+            <a:rPr lang="es-AR" sz="1800" kern="1200" dirty="0" err="1"/>
             <a:t>hsync</a:t>
           </a:r>
           <a:endParaRPr lang="es-AR" sz="1800" kern="1200" dirty="0"/>
@@ -4648,21 +4579,20 @@
             <a:spcAft>
               <a:spcPct val="15000"/>
             </a:spcAft>
-            <a:buChar char="••"/>
+            <a:buChar char="•"/>
           </a:pPr>
           <a:r>
-            <a:rPr lang="es-AR" sz="1800" kern="1200" dirty="0" smtClean="0"/>
+            <a:rPr lang="es-AR" sz="1800" kern="1200" dirty="0"/>
             <a:t>Back </a:t>
           </a:r>
           <a:r>
-            <a:rPr lang="es-AR" sz="1800" kern="1200" dirty="0" err="1" smtClean="0"/>
+            <a:rPr lang="es-AR" sz="1800" kern="1200" dirty="0" err="1"/>
             <a:t>porch</a:t>
           </a:r>
           <a:r>
-            <a:rPr lang="es-AR" sz="1800" kern="1200" dirty="0" smtClean="0"/>
+            <a:rPr lang="es-AR" sz="1800" kern="1200" dirty="0"/>
             <a:t> 48pixeles</a:t>
           </a:r>
-          <a:endParaRPr lang="es-AR" sz="1800" kern="1200" dirty="0"/>
         </a:p>
         <a:p>
           <a:pPr marL="171450" lvl="1" indent="-171450" algn="l" defTabSz="800100">
@@ -4675,21 +4605,16 @@
             <a:spcAft>
               <a:spcPct val="15000"/>
             </a:spcAft>
-            <a:buChar char="••"/>
+            <a:buChar char="•"/>
           </a:pPr>
           <a:r>
-            <a:rPr lang="es-AR" sz="1800" kern="1200" dirty="0" err="1" smtClean="0"/>
-            <a:t>Synck</a:t>
+            <a:rPr lang="es-AR" sz="1800" kern="1200" dirty="0" err="1"/>
+            <a:t>Sync</a:t>
           </a:r>
           <a:r>
-            <a:rPr lang="es-AR" sz="1800" kern="1200" dirty="0" smtClean="0"/>
-            <a:t> 96</a:t>
+            <a:rPr lang="es-AR" sz="1800" kern="1200" dirty="0"/>
+            <a:t> 96pixeles</a:t>
           </a:r>
-          <a:r>
-            <a:rPr lang="es-AR" sz="1800" kern="1200" dirty="0" smtClean="0"/>
-            <a:t>pixeles</a:t>
-          </a:r>
-          <a:endParaRPr lang="es-AR" sz="1800" kern="1200" dirty="0"/>
         </a:p>
         <a:p>
           <a:pPr marL="171450" lvl="1" indent="-171450" algn="l" defTabSz="800100">
@@ -4702,25 +4627,20 @@
             <a:spcAft>
               <a:spcPct val="15000"/>
             </a:spcAft>
-            <a:buChar char="••"/>
+            <a:buChar char="•"/>
           </a:pPr>
           <a:r>
-            <a:rPr lang="es-AR" sz="1800" kern="1200" dirty="0" smtClean="0"/>
+            <a:rPr lang="es-AR" sz="1800" kern="1200" dirty="0"/>
             <a:t>Front </a:t>
           </a:r>
           <a:r>
-            <a:rPr lang="es-AR" sz="1800" kern="1200" dirty="0" err="1" smtClean="0"/>
+            <a:rPr lang="es-AR" sz="1800" kern="1200" dirty="0" err="1"/>
             <a:t>porch</a:t>
           </a:r>
           <a:r>
-            <a:rPr lang="es-AR" sz="1800" kern="1200" dirty="0" smtClean="0"/>
-            <a:t> 16</a:t>
+            <a:rPr lang="es-AR" sz="1800" kern="1200" dirty="0"/>
+            <a:t> 16pixeles</a:t>
           </a:r>
-          <a:r>
-            <a:rPr lang="es-AR" sz="1800" kern="1200" dirty="0" smtClean="0"/>
-            <a:t>pixeles</a:t>
-          </a:r>
-          <a:endParaRPr lang="es-AR" sz="1800" kern="1200" dirty="0"/>
         </a:p>
       </dsp:txBody>
       <dsp:txXfrm rot="-5400000">
@@ -4782,7 +4702,7 @@
         </a:bodyPr>
         <a:lstStyle/>
         <a:p>
-          <a:pPr lvl="0" algn="ctr" defTabSz="800100">
+          <a:pPr marL="0" lvl="0" indent="0" algn="ctr" defTabSz="800100">
             <a:lnSpc>
               <a:spcPct val="90000"/>
             </a:lnSpc>
@@ -4792,9 +4712,10 @@
             <a:spcAft>
               <a:spcPct val="35000"/>
             </a:spcAft>
+            <a:buNone/>
           </a:pPr>
           <a:r>
-            <a:rPr lang="es-AR" sz="1800" kern="1200" dirty="0" err="1" smtClean="0"/>
+            <a:rPr lang="es-AR" sz="1800" kern="1200" dirty="0" err="1"/>
             <a:t>vsync</a:t>
           </a:r>
           <a:endParaRPr lang="es-AR" sz="1800" kern="1200" dirty="0"/>
@@ -4868,21 +4789,20 @@
             <a:spcAft>
               <a:spcPct val="15000"/>
             </a:spcAft>
-            <a:buChar char="••"/>
+            <a:buChar char="•"/>
           </a:pPr>
           <a:r>
-            <a:rPr lang="es-AR" sz="1800" kern="1200" dirty="0" smtClean="0"/>
+            <a:rPr lang="es-AR" sz="1800" kern="1200" dirty="0"/>
             <a:t>Back </a:t>
           </a:r>
           <a:r>
-            <a:rPr lang="es-AR" sz="1800" kern="1200" dirty="0" err="1" smtClean="0"/>
+            <a:rPr lang="es-AR" sz="1800" kern="1200" dirty="0" err="1"/>
             <a:t>porch</a:t>
           </a:r>
           <a:r>
-            <a:rPr lang="es-AR" sz="1800" kern="1200" dirty="0" smtClean="0"/>
+            <a:rPr lang="es-AR" sz="1800" kern="1200" dirty="0"/>
             <a:t> 33 filas</a:t>
           </a:r>
-          <a:endParaRPr lang="es-AR" sz="1800" kern="1200" dirty="0"/>
         </a:p>
         <a:p>
           <a:pPr marL="171450" lvl="1" indent="-171450" algn="l" defTabSz="800100">
@@ -4895,17 +4815,16 @@
             <a:spcAft>
               <a:spcPct val="15000"/>
             </a:spcAft>
-            <a:buChar char="••"/>
+            <a:buChar char="•"/>
           </a:pPr>
           <a:r>
-            <a:rPr lang="es-AR" sz="1800" kern="1200" dirty="0" err="1" smtClean="0"/>
-            <a:t>Synck</a:t>
+            <a:rPr lang="es-AR" sz="1800" kern="1200" dirty="0" err="1"/>
+            <a:t>Sync</a:t>
           </a:r>
           <a:r>
-            <a:rPr lang="es-AR" sz="1800" kern="1200" dirty="0" smtClean="0"/>
+            <a:rPr lang="es-AR" sz="1800" kern="1200" dirty="0"/>
             <a:t> 2 filas</a:t>
           </a:r>
-          <a:endParaRPr lang="es-AR" sz="1800" kern="1200" dirty="0"/>
         </a:p>
         <a:p>
           <a:pPr marL="171450" lvl="1" indent="-171450" algn="l" defTabSz="800100">
@@ -4918,18 +4837,18 @@
             <a:spcAft>
               <a:spcPct val="15000"/>
             </a:spcAft>
-            <a:buChar char="••"/>
+            <a:buChar char="•"/>
           </a:pPr>
           <a:r>
-            <a:rPr lang="es-AR" sz="1800" kern="1200" dirty="0" smtClean="0"/>
+            <a:rPr lang="es-AR" sz="1800" kern="1200" dirty="0"/>
             <a:t>Front </a:t>
           </a:r>
           <a:r>
-            <a:rPr lang="es-AR" sz="1800" kern="1200" err="1" smtClean="0"/>
+            <a:rPr lang="es-AR" sz="1800" kern="1200" err="1"/>
             <a:t>porch</a:t>
           </a:r>
           <a:r>
-            <a:rPr lang="es-AR" sz="1800" kern="1200" smtClean="0"/>
+            <a:rPr lang="es-AR" sz="1800" kern="1200"/>
             <a:t>  10 filas</a:t>
           </a:r>
           <a:endParaRPr lang="es-AR" sz="1800" kern="1200" dirty="0"/>
@@ -8940,7 +8859,7 @@
           </a:lstStyle>
           <a:p>
             <a:r>
-              <a:rPr lang="es-ES" smtClean="0"/>
+              <a:rPr lang="es-ES"/>
               <a:t>Haga clic para modificar el estilo de título del patrón</a:t>
             </a:r>
             <a:endParaRPr lang="en-US" dirty="0"/>
@@ -9012,7 +8931,7 @@
           </a:lstStyle>
           <a:p>
             <a:r>
-              <a:rPr lang="es-ES" smtClean="0"/>
+              <a:rPr lang="es-ES"/>
               <a:t>Haga clic para modificar el estilo de subtítulo del patrón</a:t>
             </a:r>
             <a:endParaRPr lang="en-US" dirty="0"/>
@@ -9036,7 +8955,7 @@
           <a:p>
             <a:fld id="{410894D4-7ECE-4384-99EE-1C5BB12830BA}" type="datetimeFigureOut">
               <a:rPr lang="es-AR" smtClean="0"/>
-              <a:t>17/11/2018</a:t>
+              <a:t>22/11/2018</a:t>
             </a:fld>
             <a:endParaRPr lang="es-AR"/>
           </a:p>
@@ -9078,7 +8997,7 @@
           <a:p>
             <a:fld id="{082D4FD5-32A2-4D07-BA01-A60EF0EAF8E6}" type="slidenum">
               <a:rPr lang="es-AR" smtClean="0"/>
-              <a:t>‹Nº›</a:t>
+              <a:t>‹#›</a:t>
             </a:fld>
             <a:endParaRPr lang="es-AR"/>
           </a:p>
@@ -9168,7 +9087,7 @@
           <a:lstStyle/>
           <a:p>
             <a:r>
-              <a:rPr lang="es-ES" smtClean="0"/>
+              <a:rPr lang="es-ES"/>
               <a:t>Haga clic para modificar el estilo de título del patrón</a:t>
             </a:r>
             <a:endParaRPr lang="en-US" dirty="0"/>
@@ -9192,35 +9111,35 @@
           <a:p>
             <a:pPr lvl="0"/>
             <a:r>
-              <a:rPr lang="es-ES" smtClean="0"/>
+              <a:rPr lang="es-ES"/>
               <a:t>Haga clic para modificar el estilo de texto del patrón</a:t>
             </a:r>
           </a:p>
           <a:p>
             <a:pPr lvl="1"/>
             <a:r>
-              <a:rPr lang="es-ES" smtClean="0"/>
+              <a:rPr lang="es-ES"/>
               <a:t>Segundo nivel</a:t>
             </a:r>
           </a:p>
           <a:p>
             <a:pPr lvl="2"/>
             <a:r>
-              <a:rPr lang="es-ES" smtClean="0"/>
+              <a:rPr lang="es-ES"/>
               <a:t>Tercer nivel</a:t>
             </a:r>
           </a:p>
           <a:p>
             <a:pPr lvl="3"/>
             <a:r>
-              <a:rPr lang="es-ES" smtClean="0"/>
+              <a:rPr lang="es-ES"/>
               <a:t>Cuarto nivel</a:t>
             </a:r>
           </a:p>
           <a:p>
             <a:pPr lvl="4"/>
             <a:r>
-              <a:rPr lang="es-ES" smtClean="0"/>
+              <a:rPr lang="es-ES"/>
               <a:t>Quinto nivel</a:t>
             </a:r>
             <a:endParaRPr lang="en-US" dirty="0"/>
@@ -9244,7 +9163,7 @@
           <a:p>
             <a:fld id="{410894D4-7ECE-4384-99EE-1C5BB12830BA}" type="datetimeFigureOut">
               <a:rPr lang="es-AR" smtClean="0"/>
-              <a:t>17/11/2018</a:t>
+              <a:t>22/11/2018</a:t>
             </a:fld>
             <a:endParaRPr lang="es-AR"/>
           </a:p>
@@ -9286,7 +9205,7 @@
           <a:p>
             <a:fld id="{082D4FD5-32A2-4D07-BA01-A60EF0EAF8E6}" type="slidenum">
               <a:rPr lang="es-AR" smtClean="0"/>
-              <a:t>‹Nº›</a:t>
+              <a:t>‹#›</a:t>
             </a:fld>
             <a:endParaRPr lang="es-AR"/>
           </a:p>
@@ -9419,7 +9338,7 @@
           <a:lstStyle/>
           <a:p>
             <a:r>
-              <a:rPr lang="es-ES" smtClean="0"/>
+              <a:rPr lang="es-ES"/>
               <a:t>Haga clic para modificar el estilo de título del patrón</a:t>
             </a:r>
             <a:endParaRPr lang="en-US" dirty="0"/>
@@ -9448,35 +9367,35 @@
           <a:p>
             <a:pPr lvl="0"/>
             <a:r>
-              <a:rPr lang="es-ES" smtClean="0"/>
+              <a:rPr lang="es-ES"/>
               <a:t>Haga clic para modificar el estilo de texto del patrón</a:t>
             </a:r>
           </a:p>
           <a:p>
             <a:pPr lvl="1"/>
             <a:r>
-              <a:rPr lang="es-ES" smtClean="0"/>
+              <a:rPr lang="es-ES"/>
               <a:t>Segundo nivel</a:t>
             </a:r>
           </a:p>
           <a:p>
             <a:pPr lvl="2"/>
             <a:r>
-              <a:rPr lang="es-ES" smtClean="0"/>
+              <a:rPr lang="es-ES"/>
               <a:t>Tercer nivel</a:t>
             </a:r>
           </a:p>
           <a:p>
             <a:pPr lvl="3"/>
             <a:r>
-              <a:rPr lang="es-ES" smtClean="0"/>
+              <a:rPr lang="es-ES"/>
               <a:t>Cuarto nivel</a:t>
             </a:r>
           </a:p>
           <a:p>
             <a:pPr lvl="4"/>
             <a:r>
-              <a:rPr lang="es-ES" smtClean="0"/>
+              <a:rPr lang="es-ES"/>
               <a:t>Quinto nivel</a:t>
             </a:r>
             <a:endParaRPr lang="en-US" dirty="0"/>
@@ -9500,7 +9419,7 @@
           <a:p>
             <a:fld id="{410894D4-7ECE-4384-99EE-1C5BB12830BA}" type="datetimeFigureOut">
               <a:rPr lang="es-AR" smtClean="0"/>
-              <a:t>17/11/2018</a:t>
+              <a:t>22/11/2018</a:t>
             </a:fld>
             <a:endParaRPr lang="es-AR"/>
           </a:p>
@@ -9542,7 +9461,7 @@
           <a:p>
             <a:fld id="{082D4FD5-32A2-4D07-BA01-A60EF0EAF8E6}" type="slidenum">
               <a:rPr lang="es-AR" smtClean="0"/>
-              <a:t>‹Nº›</a:t>
+              <a:t>‹#›</a:t>
             </a:fld>
             <a:endParaRPr lang="es-AR"/>
           </a:p>
@@ -9598,7 +9517,7 @@
           </a:lstStyle>
           <a:p>
             <a:r>
-              <a:rPr lang="es-ES" smtClean="0"/>
+              <a:rPr lang="es-ES"/>
               <a:t>Haga clic para modificar el estilo de título del patrón</a:t>
             </a:r>
             <a:endParaRPr lang="en-US" dirty="0"/>
@@ -9622,35 +9541,35 @@
           <a:p>
             <a:pPr lvl="0"/>
             <a:r>
-              <a:rPr lang="es-ES" smtClean="0"/>
+              <a:rPr lang="es-ES"/>
               <a:t>Haga clic para modificar el estilo de texto del patrón</a:t>
             </a:r>
           </a:p>
           <a:p>
             <a:pPr lvl="1"/>
             <a:r>
-              <a:rPr lang="es-ES" smtClean="0"/>
+              <a:rPr lang="es-ES"/>
               <a:t>Segundo nivel</a:t>
             </a:r>
           </a:p>
           <a:p>
             <a:pPr lvl="2"/>
             <a:r>
-              <a:rPr lang="es-ES" smtClean="0"/>
+              <a:rPr lang="es-ES"/>
               <a:t>Tercer nivel</a:t>
             </a:r>
           </a:p>
           <a:p>
             <a:pPr lvl="3"/>
             <a:r>
-              <a:rPr lang="es-ES" smtClean="0"/>
+              <a:rPr lang="es-ES"/>
               <a:t>Cuarto nivel</a:t>
             </a:r>
           </a:p>
           <a:p>
             <a:pPr lvl="4"/>
             <a:r>
-              <a:rPr lang="es-ES" smtClean="0"/>
+              <a:rPr lang="es-ES"/>
               <a:t>Quinto nivel</a:t>
             </a:r>
             <a:endParaRPr lang="en-US" dirty="0"/>
@@ -9674,7 +9593,7 @@
           <a:p>
             <a:fld id="{410894D4-7ECE-4384-99EE-1C5BB12830BA}" type="datetimeFigureOut">
               <a:rPr lang="es-AR" smtClean="0"/>
-              <a:t>17/11/2018</a:t>
+              <a:t>22/11/2018</a:t>
             </a:fld>
             <a:endParaRPr lang="es-AR"/>
           </a:p>
@@ -9716,7 +9635,7 @@
           <a:p>
             <a:fld id="{082D4FD5-32A2-4D07-BA01-A60EF0EAF8E6}" type="slidenum">
               <a:rPr lang="es-AR" smtClean="0"/>
-              <a:t>‹Nº›</a:t>
+              <a:t>‹#›</a:t>
             </a:fld>
             <a:endParaRPr lang="es-AR"/>
           </a:p>
@@ -9873,7 +9792,7 @@
           </a:lstStyle>
           <a:p>
             <a:r>
-              <a:rPr lang="es-ES" smtClean="0"/>
+              <a:rPr lang="es-ES"/>
               <a:t>Haga clic para modificar el estilo de título del patrón</a:t>
             </a:r>
             <a:endParaRPr lang="en-US" dirty="0"/>
@@ -9994,7 +9913,7 @@
           <a:p>
             <a:pPr lvl="0"/>
             <a:r>
-              <a:rPr lang="es-ES" smtClean="0"/>
+              <a:rPr lang="es-ES"/>
               <a:t>Haga clic para modificar el estilo de texto del patrón</a:t>
             </a:r>
           </a:p>
@@ -10017,7 +9936,7 @@
           <a:p>
             <a:fld id="{410894D4-7ECE-4384-99EE-1C5BB12830BA}" type="datetimeFigureOut">
               <a:rPr lang="es-AR" smtClean="0"/>
-              <a:t>17/11/2018</a:t>
+              <a:t>22/11/2018</a:t>
             </a:fld>
             <a:endParaRPr lang="es-AR"/>
           </a:p>
@@ -10059,7 +9978,7 @@
           <a:p>
             <a:fld id="{082D4FD5-32A2-4D07-BA01-A60EF0EAF8E6}" type="slidenum">
               <a:rPr lang="es-AR" smtClean="0"/>
-              <a:t>‹Nº›</a:t>
+              <a:t>‹#›</a:t>
             </a:fld>
             <a:endParaRPr lang="es-AR"/>
           </a:p>
@@ -10154,7 +10073,7 @@
           <a:lstStyle/>
           <a:p>
             <a:r>
-              <a:rPr lang="es-ES" smtClean="0"/>
+              <a:rPr lang="es-ES"/>
               <a:t>Haga clic para modificar el estilo de título del patrón</a:t>
             </a:r>
             <a:endParaRPr lang="en-US" dirty="0"/>
@@ -10183,35 +10102,35 @@
           <a:p>
             <a:pPr lvl="0"/>
             <a:r>
-              <a:rPr lang="es-ES" smtClean="0"/>
+              <a:rPr lang="es-ES"/>
               <a:t>Haga clic para modificar el estilo de texto del patrón</a:t>
             </a:r>
           </a:p>
           <a:p>
             <a:pPr lvl="1"/>
             <a:r>
-              <a:rPr lang="es-ES" smtClean="0"/>
+              <a:rPr lang="es-ES"/>
               <a:t>Segundo nivel</a:t>
             </a:r>
           </a:p>
           <a:p>
             <a:pPr lvl="2"/>
             <a:r>
-              <a:rPr lang="es-ES" smtClean="0"/>
+              <a:rPr lang="es-ES"/>
               <a:t>Tercer nivel</a:t>
             </a:r>
           </a:p>
           <a:p>
             <a:pPr lvl="3"/>
             <a:r>
-              <a:rPr lang="es-ES" smtClean="0"/>
+              <a:rPr lang="es-ES"/>
               <a:t>Cuarto nivel</a:t>
             </a:r>
           </a:p>
           <a:p>
             <a:pPr lvl="4"/>
             <a:r>
-              <a:rPr lang="es-ES" smtClean="0"/>
+              <a:rPr lang="es-ES"/>
               <a:t>Quinto nivel</a:t>
             </a:r>
             <a:endParaRPr lang="en-US" dirty="0"/>
@@ -10240,35 +10159,35 @@
           <a:p>
             <a:pPr lvl="0"/>
             <a:r>
-              <a:rPr lang="es-ES" smtClean="0"/>
+              <a:rPr lang="es-ES"/>
               <a:t>Haga clic para modificar el estilo de texto del patrón</a:t>
             </a:r>
           </a:p>
           <a:p>
             <a:pPr lvl="1"/>
             <a:r>
-              <a:rPr lang="es-ES" smtClean="0"/>
+              <a:rPr lang="es-ES"/>
               <a:t>Segundo nivel</a:t>
             </a:r>
           </a:p>
           <a:p>
             <a:pPr lvl="2"/>
             <a:r>
-              <a:rPr lang="es-ES" smtClean="0"/>
+              <a:rPr lang="es-ES"/>
               <a:t>Tercer nivel</a:t>
             </a:r>
           </a:p>
           <a:p>
             <a:pPr lvl="3"/>
             <a:r>
-              <a:rPr lang="es-ES" smtClean="0"/>
+              <a:rPr lang="es-ES"/>
               <a:t>Cuarto nivel</a:t>
             </a:r>
           </a:p>
           <a:p>
             <a:pPr lvl="4"/>
             <a:r>
-              <a:rPr lang="es-ES" smtClean="0"/>
+              <a:rPr lang="es-ES"/>
               <a:t>Quinto nivel</a:t>
             </a:r>
             <a:endParaRPr lang="en-US" dirty="0"/>
@@ -10292,7 +10211,7 @@
           <a:p>
             <a:fld id="{410894D4-7ECE-4384-99EE-1C5BB12830BA}" type="datetimeFigureOut">
               <a:rPr lang="es-AR" smtClean="0"/>
-              <a:t>17/11/2018</a:t>
+              <a:t>22/11/2018</a:t>
             </a:fld>
             <a:endParaRPr lang="es-AR"/>
           </a:p>
@@ -10334,7 +10253,7 @@
           <a:p>
             <a:fld id="{082D4FD5-32A2-4D07-BA01-A60EF0EAF8E6}" type="slidenum">
               <a:rPr lang="es-AR" smtClean="0"/>
-              <a:t>‹Nº›</a:t>
+              <a:t>‹#›</a:t>
             </a:fld>
             <a:endParaRPr lang="es-AR"/>
           </a:p>
@@ -10391,7 +10310,7 @@
           <a:lstStyle/>
           <a:p>
             <a:r>
-              <a:rPr lang="es-ES" smtClean="0"/>
+              <a:rPr lang="es-ES"/>
               <a:t>Haga clic para modificar el estilo de título del patrón</a:t>
             </a:r>
             <a:endParaRPr lang="en-US" dirty="0"/>
@@ -10463,7 +10382,7 @@
           <a:p>
             <a:pPr lvl="0"/>
             <a:r>
-              <a:rPr lang="es-ES" smtClean="0"/>
+              <a:rPr lang="es-ES"/>
               <a:t>Haga clic para modificar el estilo de texto del patrón</a:t>
             </a:r>
           </a:p>
@@ -10491,35 +10410,35 @@
           <a:p>
             <a:pPr lvl="0"/>
             <a:r>
-              <a:rPr lang="es-ES" smtClean="0"/>
+              <a:rPr lang="es-ES"/>
               <a:t>Haga clic para modificar el estilo de texto del patrón</a:t>
             </a:r>
           </a:p>
           <a:p>
             <a:pPr lvl="1"/>
             <a:r>
-              <a:rPr lang="es-ES" smtClean="0"/>
+              <a:rPr lang="es-ES"/>
               <a:t>Segundo nivel</a:t>
             </a:r>
           </a:p>
           <a:p>
             <a:pPr lvl="2"/>
             <a:r>
-              <a:rPr lang="es-ES" smtClean="0"/>
+              <a:rPr lang="es-ES"/>
               <a:t>Tercer nivel</a:t>
             </a:r>
           </a:p>
           <a:p>
             <a:pPr lvl="3"/>
             <a:r>
-              <a:rPr lang="es-ES" smtClean="0"/>
+              <a:rPr lang="es-ES"/>
               <a:t>Cuarto nivel</a:t>
             </a:r>
           </a:p>
           <a:p>
             <a:pPr lvl="4"/>
             <a:r>
-              <a:rPr lang="es-ES" smtClean="0"/>
+              <a:rPr lang="es-ES"/>
               <a:t>Quinto nivel</a:t>
             </a:r>
             <a:endParaRPr lang="en-US" dirty="0"/>
@@ -10591,7 +10510,7 @@
           <a:p>
             <a:pPr lvl="0"/>
             <a:r>
-              <a:rPr lang="es-ES" smtClean="0"/>
+              <a:rPr lang="es-ES"/>
               <a:t>Haga clic para modificar el estilo de texto del patrón</a:t>
             </a:r>
           </a:p>
@@ -10619,35 +10538,35 @@
           <a:p>
             <a:pPr lvl="0"/>
             <a:r>
-              <a:rPr lang="es-ES" smtClean="0"/>
+              <a:rPr lang="es-ES"/>
               <a:t>Haga clic para modificar el estilo de texto del patrón</a:t>
             </a:r>
           </a:p>
           <a:p>
             <a:pPr lvl="1"/>
             <a:r>
-              <a:rPr lang="es-ES" smtClean="0"/>
+              <a:rPr lang="es-ES"/>
               <a:t>Segundo nivel</a:t>
             </a:r>
           </a:p>
           <a:p>
             <a:pPr lvl="2"/>
             <a:r>
-              <a:rPr lang="es-ES" smtClean="0"/>
+              <a:rPr lang="es-ES"/>
               <a:t>Tercer nivel</a:t>
             </a:r>
           </a:p>
           <a:p>
             <a:pPr lvl="3"/>
             <a:r>
-              <a:rPr lang="es-ES" smtClean="0"/>
+              <a:rPr lang="es-ES"/>
               <a:t>Cuarto nivel</a:t>
             </a:r>
           </a:p>
           <a:p>
             <a:pPr lvl="4"/>
             <a:r>
-              <a:rPr lang="es-ES" smtClean="0"/>
+              <a:rPr lang="es-ES"/>
               <a:t>Quinto nivel</a:t>
             </a:r>
             <a:endParaRPr lang="en-US" dirty="0"/>
@@ -10671,7 +10590,7 @@
           <a:p>
             <a:fld id="{410894D4-7ECE-4384-99EE-1C5BB12830BA}" type="datetimeFigureOut">
               <a:rPr lang="es-AR" smtClean="0"/>
-              <a:t>17/11/2018</a:t>
+              <a:t>22/11/2018</a:t>
             </a:fld>
             <a:endParaRPr lang="es-AR"/>
           </a:p>
@@ -10713,7 +10632,7 @@
           <a:p>
             <a:fld id="{082D4FD5-32A2-4D07-BA01-A60EF0EAF8E6}" type="slidenum">
               <a:rPr lang="es-AR" smtClean="0"/>
-              <a:t>‹Nº›</a:t>
+              <a:t>‹#›</a:t>
             </a:fld>
             <a:endParaRPr lang="es-AR"/>
           </a:p>
@@ -10765,7 +10684,7 @@
           <a:lstStyle/>
           <a:p>
             <a:r>
-              <a:rPr lang="es-ES" smtClean="0"/>
+              <a:rPr lang="es-ES"/>
               <a:t>Haga clic para modificar el estilo de título del patrón</a:t>
             </a:r>
             <a:endParaRPr lang="en-US" dirty="0"/>
@@ -10789,7 +10708,7 @@
           <a:p>
             <a:fld id="{410894D4-7ECE-4384-99EE-1C5BB12830BA}" type="datetimeFigureOut">
               <a:rPr lang="es-AR" smtClean="0"/>
-              <a:t>17/11/2018</a:t>
+              <a:t>22/11/2018</a:t>
             </a:fld>
             <a:endParaRPr lang="es-AR"/>
           </a:p>
@@ -10831,7 +10750,7 @@
           <a:p>
             <a:fld id="{082D4FD5-32A2-4D07-BA01-A60EF0EAF8E6}" type="slidenum">
               <a:rPr lang="es-AR" smtClean="0"/>
-              <a:t>‹Nº›</a:t>
+              <a:t>‹#›</a:t>
             </a:fld>
             <a:endParaRPr lang="es-AR"/>
           </a:p>
@@ -10960,7 +10879,7 @@
           <a:p>
             <a:fld id="{410894D4-7ECE-4384-99EE-1C5BB12830BA}" type="datetimeFigureOut">
               <a:rPr lang="es-AR" smtClean="0"/>
-              <a:t>17/11/2018</a:t>
+              <a:t>22/11/2018</a:t>
             </a:fld>
             <a:endParaRPr lang="es-AR"/>
           </a:p>
@@ -11010,7 +10929,7 @@
           <a:p>
             <a:fld id="{082D4FD5-32A2-4D07-BA01-A60EF0EAF8E6}" type="slidenum">
               <a:rPr lang="es-AR" smtClean="0"/>
-              <a:t>‹Nº›</a:t>
+              <a:t>‹#›</a:t>
             </a:fld>
             <a:endParaRPr lang="es-AR"/>
           </a:p>
@@ -11153,7 +11072,7 @@
           </a:lstStyle>
           <a:p>
             <a:r>
-              <a:rPr lang="es-ES" smtClean="0"/>
+              <a:rPr lang="es-ES"/>
               <a:t>Haga clic para modificar el estilo de título del patrón</a:t>
             </a:r>
             <a:endParaRPr lang="en-US" dirty="0"/>
@@ -11182,35 +11101,35 @@
           <a:p>
             <a:pPr lvl="0"/>
             <a:r>
-              <a:rPr lang="es-ES" smtClean="0"/>
+              <a:rPr lang="es-ES"/>
               <a:t>Haga clic para modificar el estilo de texto del patrón</a:t>
             </a:r>
           </a:p>
           <a:p>
             <a:pPr lvl="1"/>
             <a:r>
-              <a:rPr lang="es-ES" smtClean="0"/>
+              <a:rPr lang="es-ES"/>
               <a:t>Segundo nivel</a:t>
             </a:r>
           </a:p>
           <a:p>
             <a:pPr lvl="2"/>
             <a:r>
-              <a:rPr lang="es-ES" smtClean="0"/>
+              <a:rPr lang="es-ES"/>
               <a:t>Tercer nivel</a:t>
             </a:r>
           </a:p>
           <a:p>
             <a:pPr lvl="3"/>
             <a:r>
-              <a:rPr lang="es-ES" smtClean="0"/>
+              <a:rPr lang="es-ES"/>
               <a:t>Cuarto nivel</a:t>
             </a:r>
           </a:p>
           <a:p>
             <a:pPr lvl="4"/>
             <a:r>
-              <a:rPr lang="es-ES" smtClean="0"/>
+              <a:rPr lang="es-ES"/>
               <a:t>Quinto nivel</a:t>
             </a:r>
             <a:endParaRPr lang="en-US" dirty="0"/>
@@ -11282,7 +11201,7 @@
           <a:p>
             <a:pPr lvl="0"/>
             <a:r>
-              <a:rPr lang="es-ES" smtClean="0"/>
+              <a:rPr lang="es-ES"/>
               <a:t>Haga clic para modificar el estilo de texto del patrón</a:t>
             </a:r>
           </a:p>
@@ -11314,7 +11233,7 @@
           <a:p>
             <a:fld id="{410894D4-7ECE-4384-99EE-1C5BB12830BA}" type="datetimeFigureOut">
               <a:rPr lang="es-AR" smtClean="0"/>
-              <a:t>17/11/2018</a:t>
+              <a:t>22/11/2018</a:t>
             </a:fld>
             <a:endParaRPr lang="es-AR"/>
           </a:p>
@@ -11377,7 +11296,7 @@
           <a:p>
             <a:fld id="{082D4FD5-32A2-4D07-BA01-A60EF0EAF8E6}" type="slidenum">
               <a:rPr lang="es-AR" smtClean="0"/>
-              <a:t>‹Nº›</a:t>
+              <a:t>‹#›</a:t>
             </a:fld>
             <a:endParaRPr lang="es-AR"/>
           </a:p>
@@ -11520,7 +11439,7 @@
           </a:lstStyle>
           <a:p>
             <a:r>
-              <a:rPr lang="es-ES" smtClean="0"/>
+              <a:rPr lang="es-ES"/>
               <a:t>Haga clic para modificar el estilo de título del patrón</a:t>
             </a:r>
             <a:endParaRPr lang="en-US" dirty="0"/>
@@ -11595,7 +11514,7 @@
           </a:lstStyle>
           <a:p>
             <a:r>
-              <a:rPr lang="es-ES" smtClean="0"/>
+              <a:rPr lang="es-ES"/>
               <a:t>Haga clic en el icono para agregar una imagen</a:t>
             </a:r>
             <a:endParaRPr lang="en-US" dirty="0"/>
@@ -11673,7 +11592,7 @@
           <a:p>
             <a:pPr lvl="0"/>
             <a:r>
-              <a:rPr lang="es-ES" smtClean="0"/>
+              <a:rPr lang="es-ES"/>
               <a:t>Haga clic para modificar el estilo de texto del patrón</a:t>
             </a:r>
           </a:p>
@@ -11696,7 +11615,7 @@
           <a:p>
             <a:fld id="{410894D4-7ECE-4384-99EE-1C5BB12830BA}" type="datetimeFigureOut">
               <a:rPr lang="es-AR" smtClean="0"/>
-              <a:t>17/11/2018</a:t>
+              <a:t>22/11/2018</a:t>
             </a:fld>
             <a:endParaRPr lang="es-AR"/>
           </a:p>
@@ -11738,7 +11657,7 @@
           <a:p>
             <a:fld id="{082D4FD5-32A2-4D07-BA01-A60EF0EAF8E6}" type="slidenum">
               <a:rPr lang="es-AR" smtClean="0"/>
-              <a:t>‹Nº›</a:t>
+              <a:t>‹#›</a:t>
             </a:fld>
             <a:endParaRPr lang="es-AR"/>
           </a:p>
@@ -11881,7 +11800,7 @@
           <a:lstStyle/>
           <a:p>
             <a:r>
-              <a:rPr lang="es-ES" smtClean="0"/>
+              <a:rPr lang="es-ES"/>
               <a:t>Haga clic para modificar el estilo de título del patrón</a:t>
             </a:r>
             <a:endParaRPr lang="en-US" dirty="0"/>
@@ -11915,35 +11834,35 @@
           <a:p>
             <a:pPr lvl="0"/>
             <a:r>
-              <a:rPr lang="es-ES" smtClean="0"/>
+              <a:rPr lang="es-ES"/>
               <a:t>Haga clic para modificar el estilo de texto del patrón</a:t>
             </a:r>
           </a:p>
           <a:p>
             <a:pPr lvl="1"/>
             <a:r>
-              <a:rPr lang="es-ES" smtClean="0"/>
+              <a:rPr lang="es-ES"/>
               <a:t>Segundo nivel</a:t>
             </a:r>
           </a:p>
           <a:p>
             <a:pPr lvl="2"/>
             <a:r>
-              <a:rPr lang="es-ES" smtClean="0"/>
+              <a:rPr lang="es-ES"/>
               <a:t>Tercer nivel</a:t>
             </a:r>
           </a:p>
           <a:p>
             <a:pPr lvl="3"/>
             <a:r>
-              <a:rPr lang="es-ES" smtClean="0"/>
+              <a:rPr lang="es-ES"/>
               <a:t>Cuarto nivel</a:t>
             </a:r>
           </a:p>
           <a:p>
             <a:pPr lvl="4"/>
             <a:r>
-              <a:rPr lang="es-ES" smtClean="0"/>
+              <a:rPr lang="es-ES"/>
               <a:t>Quinto nivel</a:t>
             </a:r>
             <a:endParaRPr lang="en-US" dirty="0"/>
@@ -11983,7 +11902,7 @@
           <a:p>
             <a:fld id="{410894D4-7ECE-4384-99EE-1C5BB12830BA}" type="datetimeFigureOut">
               <a:rPr lang="es-AR" smtClean="0"/>
-              <a:t>17/11/2018</a:t>
+              <a:t>22/11/2018</a:t>
             </a:fld>
             <a:endParaRPr lang="es-AR"/>
           </a:p>
@@ -12057,7 +11976,7 @@
           <a:p>
             <a:fld id="{082D4FD5-32A2-4D07-BA01-A60EF0EAF8E6}" type="slidenum">
               <a:rPr lang="es-AR" smtClean="0"/>
-              <a:t>‹Nº›</a:t>
+              <a:t>‹#›</a:t>
             </a:fld>
             <a:endParaRPr lang="es-AR"/>
           </a:p>
@@ -12523,10 +12442,9 @@
           <a:lstStyle/>
           <a:p>
             <a:r>
-              <a:rPr lang="es-AR" dirty="0" smtClean="0"/>
+              <a:rPr lang="es-AR" dirty="0"/>
               <a:t>Electrónica 3</a:t>
             </a:r>
-            <a:endParaRPr lang="es-AR" dirty="0"/>
           </a:p>
         </p:txBody>
       </p:sp>
@@ -12548,27 +12466,35 @@
           <a:lstStyle/>
           <a:p>
             <a:r>
-              <a:rPr lang="es-AR" dirty="0" smtClean="0"/>
-              <a:t>Implementación de cronometro en </a:t>
+              <a:rPr lang="es-AR" dirty="0"/>
+              <a:t>Implementación de cronómetro en </a:t>
             </a:r>
             <a:r>
-              <a:rPr lang="es-AR" dirty="0" err="1" smtClean="0"/>
+              <a:rPr lang="es-AR" dirty="0" err="1"/>
               <a:t>fpga</a:t>
             </a:r>
             <a:r>
-              <a:rPr lang="es-AR" dirty="0" smtClean="0"/>
-              <a:t>, con interface </a:t>
+              <a:rPr lang="es-AR" dirty="0"/>
+              <a:t>, con </a:t>
             </a:r>
             <a:r>
-              <a:rPr lang="es-AR" dirty="0" err="1" smtClean="0"/>
+              <a:rPr lang="es-AR" dirty="0" err="1"/>
+              <a:t>interfaZ</a:t>
+            </a:r>
+            <a:r>
+              <a:rPr lang="es-AR" dirty="0"/>
+              <a:t> </a:t>
+            </a:r>
+            <a:r>
+              <a:rPr lang="es-AR" dirty="0" err="1"/>
               <a:t>vga</a:t>
             </a:r>
-            <a:endParaRPr lang="es-AR" dirty="0" smtClean="0"/>
+            <a:endParaRPr lang="es-AR" dirty="0"/>
           </a:p>
           <a:p>
             <a:r>
-              <a:rPr lang="es-AR" dirty="0" smtClean="0"/>
-              <a:t>Grupo: 3</a:t>
+              <a:rPr lang="es-AR" dirty="0"/>
+              <a:t>Grupo 3</a:t>
             </a:r>
           </a:p>
         </p:txBody>
@@ -12583,13 +12509,6 @@
   <p:clrMapOvr>
     <a:masterClrMapping/>
   </p:clrMapOvr>
-  <p:timing>
-    <p:tnLst>
-      <p:par>
-        <p:cTn id="1" dur="indefinite" restart="never" nodeType="tmRoot"/>
-      </p:par>
-    </p:tnLst>
-  </p:timing>
 </p:sld>
 </file>
 
@@ -12626,10 +12545,9 @@
           <a:lstStyle/>
           <a:p>
             <a:r>
-              <a:rPr lang="es-AR" dirty="0" smtClean="0"/>
+              <a:rPr lang="es-AR" dirty="0"/>
               <a:t>Diagrama de funcionamiento</a:t>
             </a:r>
-            <a:endParaRPr lang="es-AR" dirty="0"/>
           </a:p>
         </p:txBody>
       </p:sp>
@@ -12668,13 +12586,6 @@
   <p:clrMapOvr>
     <a:masterClrMapping/>
   </p:clrMapOvr>
-  <p:timing>
-    <p:tnLst>
-      <p:par>
-        <p:cTn id="1" dur="indefinite" restart="never" nodeType="tmRoot"/>
-      </p:par>
-    </p:tnLst>
-  </p:timing>
 </p:sld>
 </file>
 
@@ -12711,10 +12622,9 @@
           <a:lstStyle/>
           <a:p>
             <a:r>
-              <a:rPr lang="es-AR" dirty="0" smtClean="0"/>
+              <a:rPr lang="es-AR" dirty="0"/>
               <a:t>Impresión en pantalla</a:t>
             </a:r>
-            <a:endParaRPr lang="es-AR" dirty="0"/>
           </a:p>
         </p:txBody>
       </p:sp>
@@ -12753,13 +12663,6 @@
   <p:clrMapOvr>
     <a:masterClrMapping/>
   </p:clrMapOvr>
-  <p:timing>
-    <p:tnLst>
-      <p:par>
-        <p:cTn id="1" dur="indefinite" restart="never" nodeType="tmRoot"/>
-      </p:par>
-    </p:tnLst>
-  </p:timing>
 </p:sld>
 </file>
 
@@ -12796,10 +12699,9 @@
           <a:lstStyle/>
           <a:p>
             <a:r>
-              <a:rPr lang="es-AR" dirty="0" smtClean="0"/>
+              <a:rPr lang="es-AR" dirty="0"/>
               <a:t>Señales de sincronismo</a:t>
             </a:r>
-            <a:endParaRPr lang="es-AR" dirty="0"/>
           </a:p>
         </p:txBody>
       </p:sp>
@@ -12813,7 +12715,7 @@
             <p:ph idx="1"/>
             <p:extLst>
               <p:ext uri="{D42A27DB-BD31-4B8C-83A1-F6EECF244321}">
-                <p14:modId xmlns:p14="http://schemas.microsoft.com/office/powerpoint/2010/main" val="61172437"/>
+                <p14:modId xmlns:p14="http://schemas.microsoft.com/office/powerpoint/2010/main" val="1353157467"/>
               </p:ext>
             </p:extLst>
           </p:nvPr>
@@ -13143,11 +13045,11 @@
             <a:lstStyle/>
             <a:p>
               <a:r>
-                <a:rPr lang="es-AR" dirty="0" smtClean="0"/>
+                <a:rPr lang="es-AR" dirty="0"/>
                 <a:t>Front </a:t>
               </a:r>
               <a:r>
-                <a:rPr lang="es-AR" dirty="0" err="1" smtClean="0"/>
+                <a:rPr lang="es-AR" dirty="0" err="1"/>
                 <a:t>porch</a:t>
               </a:r>
               <a:endParaRPr lang="es-AR" dirty="0"/>
@@ -13177,11 +13079,11 @@
             <a:lstStyle/>
             <a:p>
               <a:r>
-                <a:rPr lang="es-AR" dirty="0" smtClean="0"/>
+                <a:rPr lang="es-AR" dirty="0"/>
                 <a:t>Back </a:t>
               </a:r>
               <a:r>
-                <a:rPr lang="es-AR" dirty="0" err="1" smtClean="0"/>
+                <a:rPr lang="es-AR" dirty="0" err="1"/>
                 <a:t>porch</a:t>
               </a:r>
               <a:endParaRPr lang="es-AR" dirty="0"/>
@@ -13211,8 +13113,8 @@
             <a:lstStyle/>
             <a:p>
               <a:r>
-                <a:rPr lang="es-AR" dirty="0" err="1" smtClean="0"/>
-                <a:t>Synck</a:t>
+                <a:rPr lang="es-AR" dirty="0" err="1"/>
+                <a:t>Sync</a:t>
               </a:r>
               <a:endParaRPr lang="es-AR" dirty="0"/>
             </a:p>
@@ -13229,13 +13131,6 @@
   <p:clrMapOvr>
     <a:masterClrMapping/>
   </p:clrMapOvr>
-  <p:timing>
-    <p:tnLst>
-      <p:par>
-        <p:cTn id="1" dur="indefinite" restart="never" nodeType="tmRoot"/>
-      </p:par>
-    </p:tnLst>
-  </p:timing>
 </p:sld>
 </file>
 
@@ -13272,10 +13167,9 @@
           <a:lstStyle/>
           <a:p>
             <a:r>
-              <a:rPr lang="es-AR" dirty="0" smtClean="0"/>
-              <a:t>Modulo de sincronismo implementado</a:t>
+              <a:rPr lang="es-AR" dirty="0"/>
+              <a:t>Módulo de sincronismo implementado</a:t>
             </a:r>
-            <a:endParaRPr lang="es-AR" dirty="0"/>
           </a:p>
         </p:txBody>
       </p:sp>
@@ -13304,20 +13198,20 @@
               <a:buChar char="o"/>
             </a:pPr>
             <a:r>
-              <a:rPr lang="es-AR" dirty="0" err="1" smtClean="0"/>
+              <a:rPr lang="es-AR" dirty="0" err="1"/>
               <a:t>pixelClock</a:t>
             </a:r>
             <a:r>
-              <a:rPr lang="es-AR" dirty="0" smtClean="0"/>
+              <a:rPr lang="es-AR" dirty="0"/>
               <a:t>: </a:t>
             </a:r>
             <a:r>
-              <a:rPr lang="es-AR" dirty="0" err="1" smtClean="0"/>
+              <a:rPr lang="es-AR" dirty="0" err="1"/>
               <a:t>clock</a:t>
             </a:r>
             <a:r>
-              <a:rPr lang="es-AR" dirty="0" smtClean="0"/>
-              <a:t> a 25Mhz</a:t>
+              <a:rPr lang="es-AR" dirty="0"/>
+              <a:t> a 25MHz</a:t>
             </a:r>
           </a:p>
           <a:p>
@@ -13326,11 +13220,11 @@
               <a:buChar char="o"/>
             </a:pPr>
             <a:r>
-              <a:rPr lang="es-AR" dirty="0" err="1" smtClean="0"/>
-              <a:t>h_synck</a:t>
+              <a:rPr lang="es-AR" dirty="0" err="1"/>
+              <a:t>h_sync</a:t>
             </a:r>
             <a:r>
-              <a:rPr lang="es-AR" dirty="0" smtClean="0"/>
+              <a:rPr lang="es-AR" dirty="0"/>
               <a:t>: señal de sincronismo horizontal</a:t>
             </a:r>
           </a:p>
@@ -13340,20 +13234,12 @@
               <a:buChar char="o"/>
             </a:pPr>
             <a:r>
-              <a:rPr lang="es-AR" dirty="0" err="1" smtClean="0"/>
-              <a:t>v_synck</a:t>
-            </a:r>
-            <a:r>
-              <a:rPr lang="es-AR" dirty="0" smtClean="0"/>
-              <a:t>: señal </a:t>
+              <a:rPr lang="es-AR" dirty="0" err="1"/>
+              <a:t>v_sync</a:t>
             </a:r>
             <a:r>
               <a:rPr lang="es-AR" dirty="0"/>
-              <a:t>de sincronismo </a:t>
-            </a:r>
-            <a:r>
-              <a:rPr lang="es-AR" dirty="0" smtClean="0"/>
-              <a:t>vertical</a:t>
+              <a:t>: señal de sincronismo vertical</a:t>
             </a:r>
           </a:p>
           <a:p>
@@ -13362,14 +13248,13 @@
               <a:buChar char="o"/>
             </a:pPr>
             <a:r>
-              <a:rPr lang="es-AR" dirty="0" err="1" smtClean="0"/>
+              <a:rPr lang="es-AR" dirty="0" err="1"/>
               <a:t>draw</a:t>
             </a:r>
             <a:r>
-              <a:rPr lang="es-AR" dirty="0" smtClean="0"/>
+              <a:rPr lang="es-AR" dirty="0"/>
               <a:t>: indica cuando se puede escribir en la pantalla</a:t>
             </a:r>
-            <a:endParaRPr lang="es-AR" dirty="0"/>
           </a:p>
         </p:txBody>
       </p:sp>
@@ -13450,7 +13335,7 @@
             <a:lstStyle/>
             <a:p>
               <a:r>
-                <a:rPr lang="es-AR" dirty="0" err="1" smtClean="0">
+                <a:rPr lang="es-AR" dirty="0" err="1">
                   <a:solidFill>
                     <a:schemeClr val="bg1"/>
                   </a:solidFill>
@@ -13488,7 +13373,7 @@
             <a:lstStyle/>
             <a:p>
               <a:r>
-                <a:rPr lang="es-AR" dirty="0" err="1" smtClean="0">
+                <a:rPr lang="es-AR" dirty="0" err="1">
                   <a:solidFill>
                     <a:schemeClr val="bg1"/>
                   </a:solidFill>
@@ -13526,7 +13411,7 @@
             <a:lstStyle/>
             <a:p>
               <a:r>
-                <a:rPr lang="es-AR" dirty="0" err="1" smtClean="0">
+                <a:rPr lang="es-AR" dirty="0" err="1">
                   <a:solidFill>
                     <a:schemeClr val="bg1"/>
                   </a:solidFill>
@@ -13564,7 +13449,7 @@
             <a:lstStyle/>
             <a:p>
               <a:r>
-                <a:rPr lang="es-AR" dirty="0" err="1" smtClean="0">
+                <a:rPr lang="es-AR" dirty="0" err="1">
                   <a:solidFill>
                     <a:schemeClr val="bg1"/>
                   </a:solidFill>
@@ -13722,13 +13607,6 @@
   <p:clrMapOvr>
     <a:masterClrMapping/>
   </p:clrMapOvr>
-  <p:timing>
-    <p:tnLst>
-      <p:par>
-        <p:cTn id="1" dur="indefinite" restart="never" nodeType="tmRoot"/>
-      </p:par>
-    </p:tnLst>
-  </p:timing>
 </p:sld>
 </file>
 
@@ -13823,10 +13701,9 @@
             <a:p>
               <a:pPr algn="ctr"/>
               <a:r>
-                <a:rPr lang="es-AR" dirty="0" smtClean="0"/>
+                <a:rPr lang="es-AR" dirty="0"/>
                 <a:t>1</a:t>
               </a:r>
-              <a:endParaRPr lang="es-AR" dirty="0"/>
             </a:p>
           </p:txBody>
         </p:sp>
@@ -13912,10 +13789,9 @@
             <a:p>
               <a:pPr algn="ctr"/>
               <a:r>
-                <a:rPr lang="es-AR" dirty="0" smtClean="0"/>
+                <a:rPr lang="es-AR" dirty="0"/>
                 <a:t>3</a:t>
               </a:r>
-              <a:endParaRPr lang="es-AR" dirty="0"/>
             </a:p>
           </p:txBody>
         </p:sp>
@@ -13957,10 +13833,9 @@
             <a:p>
               <a:pPr algn="ctr"/>
               <a:r>
-                <a:rPr lang="es-AR" dirty="0" smtClean="0"/>
+                <a:rPr lang="es-AR" dirty="0"/>
                 <a:t>4</a:t>
               </a:r>
-              <a:endParaRPr lang="es-AR" dirty="0"/>
             </a:p>
           </p:txBody>
         </p:sp>
@@ -14002,10 +13877,9 @@
             <a:p>
               <a:pPr algn="ctr"/>
               <a:r>
-                <a:rPr lang="es-AR" dirty="0" smtClean="0"/>
+                <a:rPr lang="es-AR" dirty="0"/>
                 <a:t>5</a:t>
               </a:r>
-              <a:endParaRPr lang="es-AR" dirty="0"/>
             </a:p>
           </p:txBody>
         </p:sp>
@@ -14047,10 +13921,9 @@
             <a:p>
               <a:pPr algn="ctr"/>
               <a:r>
-                <a:rPr lang="es-AR" dirty="0" smtClean="0"/>
+                <a:rPr lang="es-AR" dirty="0"/>
                 <a:t>6</a:t>
               </a:r>
-              <a:endParaRPr lang="es-AR" dirty="0"/>
             </a:p>
           </p:txBody>
         </p:sp>
@@ -14092,10 +13965,9 @@
             <a:p>
               <a:pPr algn="ctr"/>
               <a:r>
-                <a:rPr lang="es-AR" dirty="0" smtClean="0"/>
+                <a:rPr lang="es-AR" dirty="0"/>
                 <a:t>7</a:t>
               </a:r>
-              <a:endParaRPr lang="es-AR" dirty="0"/>
             </a:p>
           </p:txBody>
         </p:sp>
@@ -14137,10 +14009,9 @@
             <a:p>
               <a:pPr algn="ctr"/>
               <a:r>
-                <a:rPr lang="es-AR" dirty="0" smtClean="0"/>
+                <a:rPr lang="es-AR" dirty="0"/>
                 <a:t>8</a:t>
               </a:r>
-              <a:endParaRPr lang="es-AR" dirty="0"/>
             </a:p>
           </p:txBody>
         </p:sp>
@@ -14182,10 +14053,9 @@
             <a:p>
               <a:pPr algn="ctr"/>
               <a:r>
-                <a:rPr lang="es-AR" dirty="0" smtClean="0"/>
+                <a:rPr lang="es-AR" dirty="0"/>
                 <a:t>9</a:t>
               </a:r>
-              <a:endParaRPr lang="es-AR" dirty="0"/>
             </a:p>
           </p:txBody>
         </p:sp>
@@ -14227,10 +14097,9 @@
             <a:p>
               <a:pPr algn="ctr"/>
               <a:r>
-                <a:rPr lang="es-AR" dirty="0" smtClean="0"/>
+                <a:rPr lang="es-AR" dirty="0"/>
                 <a:t>10</a:t>
               </a:r>
-              <a:endParaRPr lang="es-AR" dirty="0"/>
             </a:p>
           </p:txBody>
         </p:sp>
@@ -14272,10 +14141,9 @@
             <a:p>
               <a:pPr algn="ctr"/>
               <a:r>
-                <a:rPr lang="es-AR" dirty="0" smtClean="0"/>
+                <a:rPr lang="es-AR" dirty="0"/>
                 <a:t>11</a:t>
               </a:r>
-              <a:endParaRPr lang="es-AR" dirty="0"/>
             </a:p>
           </p:txBody>
         </p:sp>
@@ -14317,10 +14185,9 @@
             <a:p>
               <a:pPr algn="ctr"/>
               <a:r>
-                <a:rPr lang="es-AR" dirty="0" smtClean="0"/>
+                <a:rPr lang="es-AR" dirty="0"/>
                 <a:t>12</a:t>
               </a:r>
-              <a:endParaRPr lang="es-AR" dirty="0"/>
             </a:p>
           </p:txBody>
         </p:sp>
@@ -14362,10 +14229,9 @@
             <a:p>
               <a:pPr algn="ctr"/>
               <a:r>
-                <a:rPr lang="es-AR" dirty="0" smtClean="0"/>
+                <a:rPr lang="es-AR" dirty="0"/>
                 <a:t>13</a:t>
               </a:r>
-              <a:endParaRPr lang="es-AR" dirty="0"/>
             </a:p>
           </p:txBody>
         </p:sp>
@@ -14407,10 +14273,9 @@
             <a:p>
               <a:pPr algn="ctr"/>
               <a:r>
-                <a:rPr lang="es-AR" dirty="0" smtClean="0"/>
+                <a:rPr lang="es-AR" dirty="0"/>
                 <a:t>14</a:t>
               </a:r>
-              <a:endParaRPr lang="es-AR" dirty="0"/>
             </a:p>
           </p:txBody>
         </p:sp>
@@ -14452,10 +14317,9 @@
             <a:p>
               <a:pPr algn="ctr"/>
               <a:r>
-                <a:rPr lang="es-AR" dirty="0" smtClean="0"/>
+                <a:rPr lang="es-AR" dirty="0"/>
                 <a:t>15</a:t>
               </a:r>
-              <a:endParaRPr lang="es-AR" dirty="0"/>
             </a:p>
           </p:txBody>
         </p:sp>
@@ -14538,10 +14402,9 @@
           <a:p>
             <a:pPr algn="ctr"/>
             <a:r>
-              <a:rPr lang="es-AR" dirty="0" smtClean="0"/>
+              <a:rPr lang="es-AR" dirty="0"/>
               <a:t>1</a:t>
             </a:r>
-            <a:endParaRPr lang="es-AR" dirty="0"/>
           </a:p>
         </p:txBody>
       </p:sp>
@@ -14627,10 +14490,9 @@
           <a:p>
             <a:pPr algn="ctr"/>
             <a:r>
-              <a:rPr lang="es-AR" dirty="0" smtClean="0"/>
+              <a:rPr lang="es-AR" dirty="0"/>
               <a:t>3</a:t>
             </a:r>
-            <a:endParaRPr lang="es-AR" dirty="0"/>
           </a:p>
         </p:txBody>
       </p:sp>
@@ -14672,10 +14534,9 @@
           <a:p>
             <a:pPr algn="ctr"/>
             <a:r>
-              <a:rPr lang="es-AR" dirty="0" smtClean="0"/>
+              <a:rPr lang="es-AR" dirty="0"/>
               <a:t>4</a:t>
             </a:r>
-            <a:endParaRPr lang="es-AR" dirty="0"/>
           </a:p>
         </p:txBody>
       </p:sp>
@@ -14717,10 +14578,9 @@
           <a:p>
             <a:pPr algn="ctr"/>
             <a:r>
-              <a:rPr lang="es-AR" dirty="0" smtClean="0"/>
+              <a:rPr lang="es-AR" dirty="0"/>
               <a:t>5</a:t>
             </a:r>
-            <a:endParaRPr lang="es-AR" dirty="0"/>
           </a:p>
         </p:txBody>
       </p:sp>
@@ -14762,10 +14622,9 @@
           <a:p>
             <a:pPr algn="ctr"/>
             <a:r>
-              <a:rPr lang="es-AR" dirty="0" smtClean="0"/>
+              <a:rPr lang="es-AR" dirty="0"/>
               <a:t>6</a:t>
             </a:r>
-            <a:endParaRPr lang="es-AR" dirty="0"/>
           </a:p>
         </p:txBody>
       </p:sp>
@@ -14807,10 +14666,9 @@
           <a:p>
             <a:pPr algn="ctr"/>
             <a:r>
-              <a:rPr lang="es-AR" dirty="0" smtClean="0"/>
+              <a:rPr lang="es-AR" dirty="0"/>
               <a:t>7</a:t>
             </a:r>
-            <a:endParaRPr lang="es-AR" dirty="0"/>
           </a:p>
         </p:txBody>
       </p:sp>
@@ -14852,10 +14710,9 @@
           <a:p>
             <a:pPr algn="ctr"/>
             <a:r>
-              <a:rPr lang="es-AR" dirty="0" smtClean="0"/>
+              <a:rPr lang="es-AR" dirty="0"/>
               <a:t>8</a:t>
             </a:r>
-            <a:endParaRPr lang="es-AR" dirty="0"/>
           </a:p>
         </p:txBody>
       </p:sp>
@@ -14897,10 +14754,9 @@
           <a:p>
             <a:pPr algn="ctr"/>
             <a:r>
-              <a:rPr lang="es-AR" dirty="0" smtClean="0"/>
+              <a:rPr lang="es-AR" dirty="0"/>
               <a:t>9</a:t>
             </a:r>
-            <a:endParaRPr lang="es-AR" dirty="0"/>
           </a:p>
         </p:txBody>
       </p:sp>
@@ -14942,10 +14798,9 @@
           <a:p>
             <a:pPr algn="ctr"/>
             <a:r>
-              <a:rPr lang="es-AR" dirty="0" smtClean="0"/>
+              <a:rPr lang="es-AR" dirty="0"/>
               <a:t>10</a:t>
             </a:r>
-            <a:endParaRPr lang="es-AR" dirty="0"/>
           </a:p>
         </p:txBody>
       </p:sp>
@@ -14987,10 +14842,9 @@
           <a:p>
             <a:pPr algn="ctr"/>
             <a:r>
-              <a:rPr lang="es-AR" dirty="0" smtClean="0"/>
+              <a:rPr lang="es-AR" dirty="0"/>
               <a:t>11</a:t>
             </a:r>
-            <a:endParaRPr lang="es-AR" dirty="0"/>
           </a:p>
         </p:txBody>
       </p:sp>
@@ -15032,10 +14886,9 @@
           <a:p>
             <a:pPr algn="ctr"/>
             <a:r>
-              <a:rPr lang="es-AR" dirty="0" smtClean="0"/>
+              <a:rPr lang="es-AR" dirty="0"/>
               <a:t>12</a:t>
             </a:r>
-            <a:endParaRPr lang="es-AR" dirty="0"/>
           </a:p>
         </p:txBody>
       </p:sp>
@@ -15077,10 +14930,9 @@
           <a:p>
             <a:pPr algn="ctr"/>
             <a:r>
-              <a:rPr lang="es-AR" dirty="0" smtClean="0"/>
+              <a:rPr lang="es-AR" dirty="0"/>
               <a:t>13</a:t>
             </a:r>
-            <a:endParaRPr lang="es-AR" dirty="0"/>
           </a:p>
         </p:txBody>
       </p:sp>
@@ -15122,10 +14974,9 @@
           <a:p>
             <a:pPr algn="ctr"/>
             <a:r>
-              <a:rPr lang="es-AR" dirty="0" smtClean="0"/>
+              <a:rPr lang="es-AR" dirty="0"/>
               <a:t>14</a:t>
             </a:r>
-            <a:endParaRPr lang="es-AR" dirty="0"/>
           </a:p>
         </p:txBody>
       </p:sp>
@@ -15167,10 +15018,9 @@
           <a:p>
             <a:pPr algn="ctr"/>
             <a:r>
-              <a:rPr lang="es-AR" dirty="0" smtClean="0"/>
+              <a:rPr lang="es-AR" dirty="0"/>
               <a:t>15</a:t>
             </a:r>
-            <a:endParaRPr lang="es-AR" dirty="0"/>
           </a:p>
         </p:txBody>
       </p:sp>
@@ -19320,10 +19170,9 @@
           <a:lstStyle/>
           <a:p>
             <a:r>
-              <a:rPr lang="es-AR" dirty="0" smtClean="0"/>
+              <a:rPr lang="es-AR" dirty="0"/>
               <a:t>10 pixel</a:t>
             </a:r>
-            <a:endParaRPr lang="es-AR" dirty="0"/>
           </a:p>
         </p:txBody>
       </p:sp>
@@ -19350,10 +19199,9 @@
           <a:lstStyle/>
           <a:p>
             <a:r>
-              <a:rPr lang="es-AR" dirty="0" smtClean="0"/>
+              <a:rPr lang="es-AR" dirty="0"/>
               <a:t>10 pixel</a:t>
             </a:r>
-            <a:endParaRPr lang="es-AR" dirty="0"/>
           </a:p>
         </p:txBody>
       </p:sp>
@@ -19367,13 +19215,6 @@
   <p:clrMapOvr>
     <a:masterClrMapping/>
   </p:clrMapOvr>
-  <p:timing>
-    <p:tnLst>
-      <p:par>
-        <p:cTn id="1" dur="indefinite" restart="never" nodeType="tmRoot"/>
-      </p:par>
-    </p:tnLst>
-  </p:timing>
 </p:sld>
 </file>
 
@@ -19456,7 +19297,7 @@
             </a:r>
             <a:r>
               <a:rPr lang="es-AR" dirty="0"/>
-              <a:t> a 25Mhz</a:t>
+              <a:t> a 25MHz</a:t>
             </a:r>
           </a:p>
           <a:p>
@@ -19466,7 +19307,7 @@
             </a:pPr>
             <a:r>
               <a:rPr lang="es-AR" dirty="0" err="1"/>
-              <a:t>h_synck</a:t>
+              <a:t>h_sync</a:t>
             </a:r>
             <a:r>
               <a:rPr lang="es-AR" dirty="0"/>
@@ -19480,7 +19321,7 @@
             </a:pPr>
             <a:r>
               <a:rPr lang="es-AR" dirty="0" err="1"/>
-              <a:t>v_synck</a:t>
+              <a:t>v_sync</a:t>
             </a:r>
             <a:r>
               <a:rPr lang="es-AR" dirty="0"/>
@@ -19498,11 +19339,7 @@
             </a:r>
             <a:r>
               <a:rPr lang="es-AR" dirty="0"/>
-              <a:t>: indica cuando se puede escribir en la </a:t>
-            </a:r>
-            <a:r>
-              <a:rPr lang="es-AR" dirty="0" smtClean="0"/>
-              <a:t>pantalla</a:t>
+              <a:t>: indica cuándo se puede escribir en la pantalla</a:t>
             </a:r>
           </a:p>
           <a:p>
@@ -19511,11 +19348,11 @@
               <a:buChar char="o"/>
             </a:pPr>
             <a:r>
-              <a:rPr lang="es-AR" dirty="0" err="1" smtClean="0"/>
+              <a:rPr lang="es-AR" dirty="0" err="1"/>
               <a:t>th</a:t>
             </a:r>
             <a:r>
-              <a:rPr lang="es-AR" dirty="0" smtClean="0"/>
+              <a:rPr lang="es-AR" dirty="0"/>
               <a:t>: tiempo en horas</a:t>
             </a:r>
           </a:p>
@@ -19525,11 +19362,11 @@
               <a:buChar char="o"/>
             </a:pPr>
             <a:r>
-              <a:rPr lang="es-AR" dirty="0" err="1" smtClean="0"/>
+              <a:rPr lang="es-AR" dirty="0" err="1"/>
               <a:t>tm</a:t>
             </a:r>
             <a:r>
-              <a:rPr lang="es-AR" dirty="0" smtClean="0"/>
+              <a:rPr lang="es-AR" dirty="0"/>
               <a:t>: tiempo en minutos</a:t>
             </a:r>
           </a:p>
@@ -19539,11 +19376,11 @@
               <a:buChar char="o"/>
             </a:pPr>
             <a:r>
-              <a:rPr lang="es-AR" dirty="0" err="1" smtClean="0"/>
+              <a:rPr lang="es-AR" dirty="0" err="1"/>
               <a:t>ts</a:t>
             </a:r>
             <a:r>
-              <a:rPr lang="es-AR" dirty="0" smtClean="0"/>
+              <a:rPr lang="es-AR" dirty="0"/>
               <a:t>: tiempo en segundos</a:t>
             </a:r>
           </a:p>
@@ -19553,10 +19390,9 @@
               <a:buChar char="o"/>
             </a:pPr>
             <a:r>
-              <a:rPr lang="es-AR" dirty="0" smtClean="0"/>
+              <a:rPr lang="es-AR" dirty="0"/>
               <a:t>pixel: salida de la información a la pantalla</a:t>
             </a:r>
-            <a:endParaRPr lang="es-AR" dirty="0"/>
           </a:p>
         </p:txBody>
       </p:sp>
@@ -19637,7 +19473,7 @@
             <a:lstStyle/>
             <a:p>
               <a:r>
-                <a:rPr lang="es-AR" dirty="0" err="1" smtClean="0">
+                <a:rPr lang="es-AR" dirty="0" err="1">
                   <a:solidFill>
                     <a:schemeClr val="bg1"/>
                   </a:solidFill>
@@ -19661,7 +19497,7 @@
           <p:spPr>
             <a:xfrm>
               <a:off x="7346938" y="3362907"/>
-              <a:ext cx="935513" cy="369332"/>
+              <a:ext cx="831318" cy="369332"/>
             </a:xfrm>
             <a:prstGeom prst="rect">
               <a:avLst/>
@@ -19675,12 +19511,12 @@
             <a:lstStyle/>
             <a:p>
               <a:r>
-                <a:rPr lang="es-AR" dirty="0" err="1" smtClean="0">
+                <a:rPr lang="es-AR" dirty="0" err="1">
                   <a:solidFill>
                     <a:schemeClr val="bg1"/>
                   </a:solidFill>
                 </a:rPr>
-                <a:t>h_synck</a:t>
+                <a:t>h_sync</a:t>
               </a:r>
               <a:endParaRPr lang="es-AR" dirty="0">
                 <a:solidFill>
@@ -19713,7 +19549,7 @@
             <a:lstStyle/>
             <a:p>
               <a:r>
-                <a:rPr lang="es-AR" dirty="0" err="1" smtClean="0">
+                <a:rPr lang="es-AR" dirty="0" err="1">
                   <a:solidFill>
                     <a:schemeClr val="bg1"/>
                   </a:solidFill>
@@ -19751,7 +19587,7 @@
             <a:lstStyle/>
             <a:p>
               <a:r>
-                <a:rPr lang="es-AR" dirty="0" err="1" smtClean="0">
+                <a:rPr lang="es-AR" dirty="0" err="1">
                   <a:solidFill>
                     <a:schemeClr val="bg1"/>
                   </a:solidFill>
@@ -19954,18 +19790,13 @@
             <a:lstStyle/>
             <a:p>
               <a:r>
-                <a:rPr lang="es-AR" dirty="0" smtClean="0">
+                <a:rPr lang="es-AR" dirty="0">
                   <a:solidFill>
                     <a:schemeClr val="bg1"/>
                   </a:solidFill>
                 </a:rPr>
                 <a:t>pixel</a:t>
               </a:r>
-              <a:endParaRPr lang="es-AR" dirty="0">
-                <a:solidFill>
-                  <a:schemeClr val="bg1"/>
-                </a:solidFill>
-              </a:endParaRPr>
             </a:p>
           </p:txBody>
         </p:sp>
@@ -19992,7 +19823,7 @@
             <a:lstStyle/>
             <a:p>
               <a:r>
-                <a:rPr lang="es-AR" dirty="0" err="1" smtClean="0">
+                <a:rPr lang="es-AR" dirty="0" err="1">
                   <a:solidFill>
                     <a:schemeClr val="bg1"/>
                   </a:solidFill>
@@ -20000,18 +19831,13 @@
                 <a:t>th</a:t>
               </a:r>
               <a:r>
-                <a:rPr lang="es-AR" dirty="0" smtClean="0">
+                <a:rPr lang="es-AR" dirty="0">
                   <a:solidFill>
                     <a:schemeClr val="bg1"/>
                   </a:solidFill>
                 </a:rPr>
                 <a:t>[5:0]</a:t>
               </a:r>
-              <a:endParaRPr lang="es-AR" dirty="0">
-                <a:solidFill>
-                  <a:schemeClr val="bg1"/>
-                </a:solidFill>
-              </a:endParaRPr>
             </a:p>
           </p:txBody>
         </p:sp>
@@ -20137,7 +19963,7 @@
             <a:lstStyle/>
             <a:p>
               <a:r>
-                <a:rPr lang="es-AR" dirty="0" err="1" smtClean="0">
+                <a:rPr lang="es-AR" dirty="0" err="1">
                   <a:solidFill>
                     <a:schemeClr val="bg1"/>
                   </a:solidFill>
@@ -20145,18 +19971,13 @@
                 <a:t>tm</a:t>
               </a:r>
               <a:r>
-                <a:rPr lang="es-AR" dirty="0" smtClean="0">
+                <a:rPr lang="es-AR" dirty="0">
                   <a:solidFill>
                     <a:schemeClr val="bg1"/>
                   </a:solidFill>
                 </a:rPr>
                 <a:t>[5:0]</a:t>
               </a:r>
-              <a:endParaRPr lang="es-AR" dirty="0">
-                <a:solidFill>
-                  <a:schemeClr val="bg1"/>
-                </a:solidFill>
-              </a:endParaRPr>
             </a:p>
           </p:txBody>
         </p:sp>
@@ -20183,7 +20004,7 @@
             <a:lstStyle/>
             <a:p>
               <a:r>
-                <a:rPr lang="es-AR" dirty="0" err="1" smtClean="0">
+                <a:rPr lang="es-AR" dirty="0" err="1">
                   <a:solidFill>
                     <a:schemeClr val="bg1"/>
                   </a:solidFill>
@@ -20191,18 +20012,13 @@
                 <a:t>ts</a:t>
               </a:r>
               <a:r>
-                <a:rPr lang="es-AR" dirty="0" smtClean="0">
+                <a:rPr lang="es-AR" dirty="0">
                   <a:solidFill>
                     <a:schemeClr val="bg1"/>
                   </a:solidFill>
                 </a:rPr>
                 <a:t>[5:0]</a:t>
               </a:r>
-              <a:endParaRPr lang="es-AR" dirty="0">
-                <a:solidFill>
-                  <a:schemeClr val="bg1"/>
-                </a:solidFill>
-              </a:endParaRPr>
             </a:p>
           </p:txBody>
         </p:sp>
@@ -20217,13 +20033,6 @@
   <p:clrMapOvr>
     <a:masterClrMapping/>
   </p:clrMapOvr>
-  <p:timing>
-    <p:tnLst>
-      <p:par>
-        <p:cTn id="1" dur="indefinite" restart="never" nodeType="tmRoot"/>
-      </p:par>
-    </p:tnLst>
-  </p:timing>
 </p:sld>
 </file>
 
@@ -20260,10 +20069,9 @@
           <a:lstStyle/>
           <a:p>
             <a:r>
-              <a:rPr lang="es-AR" dirty="0" smtClean="0"/>
-              <a:t>Cronometro</a:t>
+              <a:rPr lang="es-AR" dirty="0"/>
+              <a:t>Cronómetro</a:t>
             </a:r>
-            <a:endParaRPr lang="es-AR" dirty="0"/>
           </a:p>
         </p:txBody>
       </p:sp>
@@ -20305,11 +20113,7 @@
             </a:r>
             <a:r>
               <a:rPr lang="es-AR" dirty="0"/>
-              <a:t> a </a:t>
-            </a:r>
-            <a:r>
-              <a:rPr lang="es-AR" dirty="0" smtClean="0"/>
-              <a:t>25Mhz</a:t>
+              <a:t> a 25MHz</a:t>
             </a:r>
           </a:p>
           <a:p>
@@ -20318,7 +20122,7 @@
               <a:buChar char="o"/>
             </a:pPr>
             <a:r>
-              <a:rPr lang="es-AR" dirty="0" err="1" smtClean="0"/>
+              <a:rPr lang="es-AR" dirty="0" err="1"/>
               <a:t>th</a:t>
             </a:r>
             <a:r>
@@ -20351,11 +20155,7 @@
             </a:r>
             <a:r>
               <a:rPr lang="es-AR" dirty="0"/>
-              <a:t>: tiempo en </a:t>
-            </a:r>
-            <a:r>
-              <a:rPr lang="es-AR" dirty="0" smtClean="0"/>
-              <a:t>segundos</a:t>
+              <a:t>: tiempo en segundos</a:t>
             </a:r>
           </a:p>
           <a:p>
@@ -20364,18 +20164,18 @@
               <a:buChar char="o"/>
             </a:pPr>
             <a:r>
-              <a:rPr lang="es-AR" dirty="0" err="1" smtClean="0"/>
+              <a:rPr lang="es-AR" dirty="0" err="1"/>
               <a:t>ss</a:t>
             </a:r>
             <a:r>
-              <a:rPr lang="es-AR" dirty="0" smtClean="0"/>
+              <a:rPr lang="es-AR" dirty="0"/>
               <a:t>: señal se stop/</a:t>
             </a:r>
             <a:r>
-              <a:rPr lang="es-AR" dirty="0" err="1" smtClean="0"/>
+              <a:rPr lang="es-AR" dirty="0" err="1"/>
               <a:t>start</a:t>
             </a:r>
-            <a:endParaRPr lang="es-AR" dirty="0" smtClean="0"/>
+            <a:endParaRPr lang="es-AR" dirty="0"/>
           </a:p>
           <a:p>
             <a:pPr>
@@ -20383,15 +20183,15 @@
               <a:buChar char="o"/>
             </a:pPr>
             <a:r>
-              <a:rPr lang="es-AR" dirty="0" err="1" smtClean="0"/>
+              <a:rPr lang="es-AR" dirty="0" err="1"/>
               <a:t>reset</a:t>
             </a:r>
             <a:r>
-              <a:rPr lang="es-AR" dirty="0" smtClean="0"/>
+              <a:rPr lang="es-AR" dirty="0"/>
               <a:t>: señal de </a:t>
             </a:r>
             <a:r>
-              <a:rPr lang="es-AR" dirty="0" err="1" smtClean="0"/>
+              <a:rPr lang="es-AR" dirty="0" err="1"/>
               <a:t>reset</a:t>
             </a:r>
             <a:endParaRPr lang="es-AR" dirty="0"/>
@@ -20492,7 +20292,7 @@
               <a:lstStyle/>
               <a:p>
                 <a:r>
-                  <a:rPr lang="es-AR" dirty="0" err="1" smtClean="0">
+                  <a:rPr lang="es-AR" dirty="0" err="1">
                     <a:solidFill>
                       <a:schemeClr val="bg1"/>
                     </a:solidFill>
@@ -20662,7 +20462,7 @@
               <a:lstStyle/>
               <a:p>
                 <a:r>
-                  <a:rPr lang="es-AR" dirty="0" err="1" smtClean="0">
+                  <a:rPr lang="es-AR" dirty="0" err="1">
                     <a:solidFill>
                       <a:schemeClr val="bg1"/>
                     </a:solidFill>
@@ -20670,18 +20470,13 @@
                   <a:t>th</a:t>
                 </a:r>
                 <a:r>
-                  <a:rPr lang="es-AR" dirty="0" smtClean="0">
+                  <a:rPr lang="es-AR" dirty="0">
                     <a:solidFill>
                       <a:schemeClr val="bg1"/>
                     </a:solidFill>
                   </a:rPr>
                   <a:t>[5:0]</a:t>
                 </a:r>
-                <a:endParaRPr lang="es-AR" dirty="0">
-                  <a:solidFill>
-                    <a:schemeClr val="bg1"/>
-                  </a:solidFill>
-                </a:endParaRPr>
               </a:p>
             </p:txBody>
           </p:sp>
@@ -20708,7 +20503,7 @@
               <a:lstStyle/>
               <a:p>
                 <a:r>
-                  <a:rPr lang="es-AR" dirty="0" err="1" smtClean="0">
+                  <a:rPr lang="es-AR" dirty="0" err="1">
                     <a:solidFill>
                       <a:schemeClr val="bg1"/>
                     </a:solidFill>
@@ -20716,18 +20511,13 @@
                   <a:t>tm</a:t>
                 </a:r>
                 <a:r>
-                  <a:rPr lang="es-AR" dirty="0" smtClean="0">
+                  <a:rPr lang="es-AR" dirty="0">
                     <a:solidFill>
                       <a:schemeClr val="bg1"/>
                     </a:solidFill>
                   </a:rPr>
                   <a:t>[5:0]</a:t>
                 </a:r>
-                <a:endParaRPr lang="es-AR" dirty="0">
-                  <a:solidFill>
-                    <a:schemeClr val="bg1"/>
-                  </a:solidFill>
-                </a:endParaRPr>
               </a:p>
             </p:txBody>
           </p:sp>
@@ -20754,7 +20544,7 @@
               <a:lstStyle/>
               <a:p>
                 <a:r>
-                  <a:rPr lang="es-AR" dirty="0" err="1" smtClean="0">
+                  <a:rPr lang="es-AR" dirty="0" err="1">
                     <a:solidFill>
                       <a:schemeClr val="bg1"/>
                     </a:solidFill>
@@ -20762,18 +20552,13 @@
                   <a:t>ts</a:t>
                 </a:r>
                 <a:r>
-                  <a:rPr lang="es-AR" dirty="0" smtClean="0">
+                  <a:rPr lang="es-AR" dirty="0">
                     <a:solidFill>
                       <a:schemeClr val="bg1"/>
                     </a:solidFill>
                   </a:rPr>
                   <a:t>[5:0]</a:t>
                 </a:r>
-                <a:endParaRPr lang="es-AR" dirty="0">
-                  <a:solidFill>
-                    <a:schemeClr val="bg1"/>
-                  </a:solidFill>
-                </a:endParaRPr>
               </a:p>
             </p:txBody>
           </p:sp>
@@ -20867,7 +20652,7 @@
             <a:lstStyle/>
             <a:p>
               <a:r>
-                <a:rPr lang="es-AR" dirty="0" err="1" smtClean="0">
+                <a:rPr lang="es-AR" dirty="0" err="1">
                   <a:solidFill>
                     <a:schemeClr val="bg1"/>
                   </a:solidFill>
@@ -20905,7 +20690,7 @@
             <a:lstStyle/>
             <a:p>
               <a:r>
-                <a:rPr lang="es-AR" dirty="0" err="1" smtClean="0">
+                <a:rPr lang="es-AR" dirty="0" err="1">
                   <a:solidFill>
                     <a:schemeClr val="bg1"/>
                   </a:solidFill>
@@ -20931,13 +20716,6 @@
   <p:clrMapOvr>
     <a:masterClrMapping/>
   </p:clrMapOvr>
-  <p:timing>
-    <p:tnLst>
-      <p:par>
-        <p:cTn id="1" dur="indefinite" restart="never" nodeType="tmRoot"/>
-      </p:par>
-    </p:tnLst>
-  </p:timing>
 </p:sld>
 </file>
 
@@ -20974,10 +20752,9 @@
           <a:lstStyle/>
           <a:p>
             <a:r>
-              <a:rPr lang="es-AR" dirty="0" smtClean="0"/>
-              <a:t>Diagrama del cronometro</a:t>
+              <a:rPr lang="es-AR" dirty="0"/>
+              <a:t>Diagrama del cronómetro</a:t>
             </a:r>
-            <a:endParaRPr lang="es-AR" dirty="0"/>
           </a:p>
         </p:txBody>
       </p:sp>
@@ -21058,7 +20835,7 @@
             <a:lstStyle/>
             <a:p>
               <a:r>
-                <a:rPr lang="es-AR" dirty="0" err="1" smtClean="0">
+                <a:rPr lang="es-AR" dirty="0" err="1">
                   <a:solidFill>
                     <a:schemeClr val="bg1"/>
                   </a:solidFill>
@@ -21082,7 +20859,7 @@
           <p:spPr>
             <a:xfrm>
               <a:off x="7981046" y="2686050"/>
-              <a:ext cx="935513" cy="369332"/>
+              <a:ext cx="831318" cy="369332"/>
             </a:xfrm>
             <a:prstGeom prst="rect">
               <a:avLst/>
@@ -21096,12 +20873,12 @@
             <a:lstStyle/>
             <a:p>
               <a:r>
-                <a:rPr lang="es-AR" dirty="0" err="1" smtClean="0">
+                <a:rPr lang="es-AR" dirty="0" err="1">
                   <a:solidFill>
                     <a:schemeClr val="bg1"/>
                   </a:solidFill>
                 </a:rPr>
-                <a:t>h_synck</a:t>
+                <a:t>h_sync</a:t>
               </a:r>
               <a:endParaRPr lang="es-AR" dirty="0">
                 <a:solidFill>
@@ -21120,7 +20897,7 @@
           <p:spPr>
             <a:xfrm>
               <a:off x="7981045" y="3202080"/>
-              <a:ext cx="840936" cy="369332"/>
+              <a:ext cx="813684" cy="369332"/>
             </a:xfrm>
             <a:prstGeom prst="rect">
               <a:avLst/>
@@ -21134,12 +20911,12 @@
             <a:lstStyle/>
             <a:p>
               <a:r>
-                <a:rPr lang="es-AR" dirty="0" err="1" smtClean="0">
+                <a:rPr lang="es-AR" dirty="0" err="1">
                   <a:solidFill>
                     <a:schemeClr val="bg1"/>
                   </a:solidFill>
                 </a:rPr>
-                <a:t>V_sync</a:t>
+                <a:t>v_sync</a:t>
               </a:r>
               <a:endParaRPr lang="es-AR" dirty="0">
                 <a:solidFill>
@@ -21172,7 +20949,7 @@
             <a:lstStyle/>
             <a:p>
               <a:r>
-                <a:rPr lang="es-AR" dirty="0" err="1" smtClean="0">
+                <a:rPr lang="es-AR" dirty="0" err="1">
                   <a:solidFill>
                     <a:schemeClr val="bg1"/>
                   </a:solidFill>
@@ -21397,7 +21174,7 @@
             <a:lstStyle/>
             <a:p>
               <a:r>
-                <a:rPr lang="es-AR" dirty="0" err="1" smtClean="0">
+                <a:rPr lang="es-AR" dirty="0" err="1">
                   <a:solidFill>
                     <a:schemeClr val="bg1"/>
                   </a:solidFill>
@@ -21421,7 +21198,7 @@
           <p:spPr>
             <a:xfrm>
               <a:off x="7346938" y="3362907"/>
-              <a:ext cx="935513" cy="369332"/>
+              <a:ext cx="831318" cy="369332"/>
             </a:xfrm>
             <a:prstGeom prst="rect">
               <a:avLst/>
@@ -21435,12 +21212,12 @@
             <a:lstStyle/>
             <a:p>
               <a:r>
-                <a:rPr lang="es-AR" dirty="0" err="1" smtClean="0">
+                <a:rPr lang="es-AR" dirty="0" err="1">
                   <a:solidFill>
                     <a:schemeClr val="bg1"/>
                   </a:solidFill>
                 </a:rPr>
-                <a:t>h_synck</a:t>
+                <a:t>h_sync</a:t>
               </a:r>
               <a:endParaRPr lang="es-AR" dirty="0">
                 <a:solidFill>
@@ -21473,7 +21250,7 @@
             <a:lstStyle/>
             <a:p>
               <a:r>
-                <a:rPr lang="es-AR" dirty="0" err="1" smtClean="0">
+                <a:rPr lang="es-AR" dirty="0" err="1">
                   <a:solidFill>
                     <a:schemeClr val="bg1"/>
                   </a:solidFill>
@@ -21511,7 +21288,7 @@
             <a:lstStyle/>
             <a:p>
               <a:r>
-                <a:rPr lang="es-AR" dirty="0" err="1" smtClean="0">
+                <a:rPr lang="es-AR" dirty="0" err="1">
                   <a:solidFill>
                     <a:schemeClr val="bg1"/>
                   </a:solidFill>
@@ -21714,18 +21491,13 @@
             <a:lstStyle/>
             <a:p>
               <a:r>
-                <a:rPr lang="es-AR" dirty="0" smtClean="0">
+                <a:rPr lang="es-AR" dirty="0">
                   <a:solidFill>
                     <a:schemeClr val="bg1"/>
                   </a:solidFill>
                 </a:rPr>
                 <a:t>pixel</a:t>
               </a:r>
-              <a:endParaRPr lang="es-AR" dirty="0">
-                <a:solidFill>
-                  <a:schemeClr val="bg1"/>
-                </a:solidFill>
-              </a:endParaRPr>
             </a:p>
           </p:txBody>
         </p:sp>
@@ -21752,7 +21524,7 @@
             <a:lstStyle/>
             <a:p>
               <a:r>
-                <a:rPr lang="es-AR" dirty="0" err="1" smtClean="0">
+                <a:rPr lang="es-AR" dirty="0" err="1">
                   <a:solidFill>
                     <a:schemeClr val="bg1"/>
                   </a:solidFill>
@@ -21760,18 +21532,13 @@
                 <a:t>th</a:t>
               </a:r>
               <a:r>
-                <a:rPr lang="es-AR" dirty="0" smtClean="0">
+                <a:rPr lang="es-AR" dirty="0">
                   <a:solidFill>
                     <a:schemeClr val="bg1"/>
                   </a:solidFill>
                 </a:rPr>
                 <a:t>[5:0]</a:t>
               </a:r>
-              <a:endParaRPr lang="es-AR" dirty="0">
-                <a:solidFill>
-                  <a:schemeClr val="bg1"/>
-                </a:solidFill>
-              </a:endParaRPr>
             </a:p>
           </p:txBody>
         </p:sp>
@@ -21897,7 +21664,7 @@
             <a:lstStyle/>
             <a:p>
               <a:r>
-                <a:rPr lang="es-AR" dirty="0" err="1" smtClean="0">
+                <a:rPr lang="es-AR" dirty="0" err="1">
                   <a:solidFill>
                     <a:schemeClr val="bg1"/>
                   </a:solidFill>
@@ -21905,18 +21672,13 @@
                 <a:t>tm</a:t>
               </a:r>
               <a:r>
-                <a:rPr lang="es-AR" dirty="0" smtClean="0">
+                <a:rPr lang="es-AR" dirty="0">
                   <a:solidFill>
                     <a:schemeClr val="bg1"/>
                   </a:solidFill>
                 </a:rPr>
                 <a:t>[5:0]</a:t>
               </a:r>
-              <a:endParaRPr lang="es-AR" dirty="0">
-                <a:solidFill>
-                  <a:schemeClr val="bg1"/>
-                </a:solidFill>
-              </a:endParaRPr>
             </a:p>
           </p:txBody>
         </p:sp>
@@ -21943,7 +21705,7 @@
             <a:lstStyle/>
             <a:p>
               <a:r>
-                <a:rPr lang="es-AR" dirty="0" err="1" smtClean="0">
+                <a:rPr lang="es-AR" dirty="0" err="1">
                   <a:solidFill>
                     <a:schemeClr val="bg1"/>
                   </a:solidFill>
@@ -21951,18 +21713,13 @@
                 <a:t>ts</a:t>
               </a:r>
               <a:r>
-                <a:rPr lang="es-AR" dirty="0" smtClean="0">
+                <a:rPr lang="es-AR" dirty="0">
                   <a:solidFill>
                     <a:schemeClr val="bg1"/>
                   </a:solidFill>
                 </a:rPr>
                 <a:t>[5:0]</a:t>
               </a:r>
-              <a:endParaRPr lang="es-AR" dirty="0">
-                <a:solidFill>
-                  <a:schemeClr val="bg1"/>
-                </a:solidFill>
-              </a:endParaRPr>
             </a:p>
           </p:txBody>
         </p:sp>
@@ -22058,7 +21815,7 @@
               <a:lstStyle/>
               <a:p>
                 <a:r>
-                  <a:rPr lang="es-AR" dirty="0" err="1" smtClean="0">
+                  <a:rPr lang="es-AR" dirty="0" err="1">
                     <a:solidFill>
                       <a:schemeClr val="bg1"/>
                     </a:solidFill>
@@ -22228,7 +21985,7 @@
               <a:lstStyle/>
               <a:p>
                 <a:r>
-                  <a:rPr lang="es-AR" dirty="0" err="1" smtClean="0">
+                  <a:rPr lang="es-AR" dirty="0" err="1">
                     <a:solidFill>
                       <a:schemeClr val="bg1"/>
                     </a:solidFill>
@@ -22236,18 +21993,13 @@
                   <a:t>th</a:t>
                 </a:r>
                 <a:r>
-                  <a:rPr lang="es-AR" dirty="0" smtClean="0">
+                  <a:rPr lang="es-AR" dirty="0">
                     <a:solidFill>
                       <a:schemeClr val="bg1"/>
                     </a:solidFill>
                   </a:rPr>
                   <a:t>[5:0]</a:t>
                 </a:r>
-                <a:endParaRPr lang="es-AR" dirty="0">
-                  <a:solidFill>
-                    <a:schemeClr val="bg1"/>
-                  </a:solidFill>
-                </a:endParaRPr>
               </a:p>
             </p:txBody>
           </p:sp>
@@ -22274,7 +22026,7 @@
               <a:lstStyle/>
               <a:p>
                 <a:r>
-                  <a:rPr lang="es-AR" dirty="0" err="1" smtClean="0">
+                  <a:rPr lang="es-AR" dirty="0" err="1">
                     <a:solidFill>
                       <a:schemeClr val="bg1"/>
                     </a:solidFill>
@@ -22282,18 +22034,13 @@
                   <a:t>tm</a:t>
                 </a:r>
                 <a:r>
-                  <a:rPr lang="es-AR" dirty="0" smtClean="0">
+                  <a:rPr lang="es-AR" dirty="0">
                     <a:solidFill>
                       <a:schemeClr val="bg1"/>
                     </a:solidFill>
                   </a:rPr>
                   <a:t>[5:0]</a:t>
                 </a:r>
-                <a:endParaRPr lang="es-AR" dirty="0">
-                  <a:solidFill>
-                    <a:schemeClr val="bg1"/>
-                  </a:solidFill>
-                </a:endParaRPr>
               </a:p>
             </p:txBody>
           </p:sp>
@@ -22320,7 +22067,7 @@
               <a:lstStyle/>
               <a:p>
                 <a:r>
-                  <a:rPr lang="es-AR" dirty="0" err="1" smtClean="0">
+                  <a:rPr lang="es-AR" dirty="0" err="1">
                     <a:solidFill>
                       <a:schemeClr val="bg1"/>
                     </a:solidFill>
@@ -22328,18 +22075,13 @@
                   <a:t>ts</a:t>
                 </a:r>
                 <a:r>
-                  <a:rPr lang="es-AR" dirty="0" smtClean="0">
+                  <a:rPr lang="es-AR" dirty="0">
                     <a:solidFill>
                       <a:schemeClr val="bg1"/>
                     </a:solidFill>
                   </a:rPr>
                   <a:t>[5:0]</a:t>
                 </a:r>
-                <a:endParaRPr lang="es-AR" dirty="0">
-                  <a:solidFill>
-                    <a:schemeClr val="bg1"/>
-                  </a:solidFill>
-                </a:endParaRPr>
               </a:p>
             </p:txBody>
           </p:sp>
@@ -22433,7 +22175,7 @@
             <a:lstStyle/>
             <a:p>
               <a:r>
-                <a:rPr lang="es-AR" dirty="0" err="1" smtClean="0">
+                <a:rPr lang="es-AR" dirty="0" err="1">
                   <a:solidFill>
                     <a:schemeClr val="bg1"/>
                   </a:solidFill>
@@ -22471,7 +22213,7 @@
             <a:lstStyle/>
             <a:p>
               <a:r>
-                <a:rPr lang="es-AR" dirty="0" err="1" smtClean="0">
+                <a:rPr lang="es-AR" dirty="0" err="1">
                   <a:solidFill>
                     <a:schemeClr val="bg1"/>
                   </a:solidFill>
@@ -22590,13 +22332,6 @@
   <p:clrMapOvr>
     <a:masterClrMapping/>
   </p:clrMapOvr>
-  <p:timing>
-    <p:tnLst>
-      <p:par>
-        <p:cTn id="1" dur="indefinite" restart="never" nodeType="tmRoot"/>
-      </p:par>
-    </p:tnLst>
-  </p:timing>
 </p:sld>
 </file>
 

--- a/presentacion.pptx
+++ b/presentacion.pptx
@@ -2456,7 +2456,7 @@
         <a:p>
           <a:r>
             <a:rPr lang="es-AR" dirty="0"/>
-            <a:t>Cronometro</a:t>
+            <a:t>Cronómetro</a:t>
           </a:r>
         </a:p>
       </dgm:t>
@@ -2941,7 +2941,7 @@
         <a:p>
           <a:r>
             <a:rPr lang="es-AR" dirty="0" err="1"/>
-            <a:t>hsync</a:t>
+            <a:t>h_sync</a:t>
           </a:r>
           <a:endParaRPr lang="es-AR" dirty="0"/>
         </a:p>
@@ -2986,7 +2986,7 @@
           </a:r>
           <a:r>
             <a:rPr lang="es-AR" dirty="0"/>
-            <a:t> 48pixeles</a:t>
+            <a:t> 48 píxeles</a:t>
           </a:r>
         </a:p>
       </dgm:t>
@@ -3030,7 +3030,7 @@
           </a:r>
           <a:r>
             <a:rPr lang="es-AR" dirty="0"/>
-            <a:t> 16pixeles</a:t>
+            <a:t> 16 píxeles</a:t>
           </a:r>
         </a:p>
       </dgm:t>
@@ -3066,7 +3066,7 @@
         <a:p>
           <a:r>
             <a:rPr lang="es-AR" dirty="0" err="1"/>
-            <a:t>vsync</a:t>
+            <a:t>v_sync</a:t>
           </a:r>
           <a:endParaRPr lang="es-AR" dirty="0"/>
         </a:p>
@@ -3151,7 +3151,7 @@
           </a:r>
           <a:r>
             <a:rPr lang="es-AR" dirty="0"/>
-            <a:t> 96pixeles</a:t>
+            <a:t> 96 píxeles</a:t>
           </a:r>
         </a:p>
       </dgm:t>
@@ -3767,7 +3767,7 @@
           </a:pPr>
           <a:r>
             <a:rPr lang="es-AR" sz="2700" kern="1200" dirty="0"/>
-            <a:t>Cronometro</a:t>
+            <a:t>Cronómetro</a:t>
           </a:r>
         </a:p>
       </dsp:txBody>
@@ -4506,7 +4506,7 @@
           </a:pPr>
           <a:r>
             <a:rPr lang="es-AR" sz="1800" kern="1200" dirty="0" err="1"/>
-            <a:t>hsync</a:t>
+            <a:t>h_sync</a:t>
           </a:r>
           <a:endParaRPr lang="es-AR" sz="1800" kern="1200" dirty="0"/>
         </a:p>
@@ -4591,7 +4591,7 @@
           </a:r>
           <a:r>
             <a:rPr lang="es-AR" sz="1800" kern="1200" dirty="0"/>
-            <a:t> 48pixeles</a:t>
+            <a:t> 48 píxeles</a:t>
           </a:r>
         </a:p>
         <a:p>
@@ -4613,7 +4613,7 @@
           </a:r>
           <a:r>
             <a:rPr lang="es-AR" sz="1800" kern="1200" dirty="0"/>
-            <a:t> 96pixeles</a:t>
+            <a:t> 96 píxeles</a:t>
           </a:r>
         </a:p>
         <a:p>
@@ -4639,7 +4639,7 @@
           </a:r>
           <a:r>
             <a:rPr lang="es-AR" sz="1800" kern="1200" dirty="0"/>
-            <a:t> 16pixeles</a:t>
+            <a:t> 16 píxeles</a:t>
           </a:r>
         </a:p>
       </dsp:txBody>
@@ -4716,7 +4716,7 @@
           </a:pPr>
           <a:r>
             <a:rPr lang="es-AR" sz="1800" kern="1200" dirty="0" err="1"/>
-            <a:t>vsync</a:t>
+            <a:t>v_sync</a:t>
           </a:r>
           <a:endParaRPr lang="es-AR" sz="1800" kern="1200" dirty="0"/>
         </a:p>
@@ -12561,7 +12561,7 @@
             <p:ph idx="1"/>
             <p:extLst>
               <p:ext uri="{D42A27DB-BD31-4B8C-83A1-F6EECF244321}">
-                <p14:modId xmlns:p14="http://schemas.microsoft.com/office/powerpoint/2010/main" val="1902168032"/>
+                <p14:modId xmlns:p14="http://schemas.microsoft.com/office/powerpoint/2010/main" val="2691152477"/>
               </p:ext>
             </p:extLst>
           </p:nvPr>
@@ -12715,7 +12715,7 @@
             <p:ph idx="1"/>
             <p:extLst>
               <p:ext uri="{D42A27DB-BD31-4B8C-83A1-F6EECF244321}">
-                <p14:modId xmlns:p14="http://schemas.microsoft.com/office/powerpoint/2010/main" val="1353157467"/>
+                <p14:modId xmlns:p14="http://schemas.microsoft.com/office/powerpoint/2010/main" val="1867535936"/>
               </p:ext>
             </p:extLst>
           </p:nvPr>
@@ -13253,7 +13253,7 @@
             </a:r>
             <a:r>
               <a:rPr lang="es-AR" dirty="0"/>
-              <a:t>: indica cuando se puede escribir en la pantalla</a:t>
+              <a:t>: indica cuándo se puede escribir en la pantalla</a:t>
             </a:r>
           </a:p>
         </p:txBody>
@@ -13397,7 +13397,7 @@
           <p:spPr>
             <a:xfrm>
               <a:off x="7981045" y="3202080"/>
-              <a:ext cx="840936" cy="369332"/>
+              <a:ext cx="813684" cy="369332"/>
             </a:xfrm>
             <a:prstGeom prst="rect">
               <a:avLst/>
@@ -13416,7 +13416,7 @@
                     <a:schemeClr val="bg1"/>
                   </a:solidFill>
                 </a:rPr>
-                <a:t>V_sync</a:t>
+                <a:t>v_sync</a:t>
               </a:r>
               <a:endParaRPr lang="es-AR" dirty="0">
                 <a:solidFill>
@@ -19171,7 +19171,7 @@
           <a:p>
             <a:r>
               <a:rPr lang="es-AR" dirty="0"/>
-              <a:t>10 pixel</a:t>
+              <a:t>10 píxel</a:t>
             </a:r>
           </a:p>
         </p:txBody>
@@ -19200,7 +19200,7 @@
           <a:p>
             <a:r>
               <a:rPr lang="es-AR" dirty="0"/>
-              <a:t>10 pixel</a:t>
+              <a:t>10 píxel</a:t>
             </a:r>
           </a:p>
         </p:txBody>
@@ -21236,7 +21236,7 @@
           <p:spPr>
             <a:xfrm>
               <a:off x="7319188" y="3616312"/>
-              <a:ext cx="840936" cy="369332"/>
+              <a:ext cx="813684" cy="369332"/>
             </a:xfrm>
             <a:prstGeom prst="rect">
               <a:avLst/>
@@ -21255,7 +21255,7 @@
                     <a:schemeClr val="bg1"/>
                   </a:solidFill>
                 </a:rPr>
-                <a:t>V_sync</a:t>
+                <a:t>v_sync</a:t>
               </a:r>
               <a:endParaRPr lang="es-AR" dirty="0">
                 <a:solidFill>
